--- a/slides/mlps/templates/singlelay_8.pptx
+++ b/slides/mlps/templates/singlelay_8.pptx
@@ -107,6 +107,11 @@
       </a:defRPr>
     </a:lvl9pPr>
   </p:defaultTextStyle>
+  <p:extLst>
+    <p:ext uri="{EFAFB233-063F-42B5-8137-9DF3F51BA10A}">
+      <p15:sldGuideLst xmlns:p15="http://schemas.microsoft.com/office/powerpoint/2012/main"/>
+    </p:ext>
+  </p:extLst>
 </p:presentation>
 </file>
 
@@ -192,7 +197,7 @@
           <a:p>
             <a:fld id="{C36C09F4-2CD4-0D45-B577-E47B0217192A}" type="datetimeFigureOut">
               <a:rPr lang="en-DE" smtClean="0"/>
-              <a:t>17.01.21</a:t>
+              <a:t>05.03.21</a:t>
             </a:fld>
             <a:endParaRPr lang="en-DE"/>
           </a:p>
@@ -718,7 +723,7 @@
           <a:p>
             <a:fld id="{86A1EF3E-6532-6A43-9597-701BF4DA9833}" type="datetimeFigureOut">
               <a:rPr lang="en-DE" smtClean="0"/>
-              <a:t>17.01.21</a:t>
+              <a:t>05.03.21</a:t>
             </a:fld>
             <a:endParaRPr lang="en-DE"/>
           </a:p>
@@ -918,7 +923,7 @@
           <a:p>
             <a:fld id="{86A1EF3E-6532-6A43-9597-701BF4DA9833}" type="datetimeFigureOut">
               <a:rPr lang="en-DE" smtClean="0"/>
-              <a:t>17.01.21</a:t>
+              <a:t>05.03.21</a:t>
             </a:fld>
             <a:endParaRPr lang="en-DE"/>
           </a:p>
@@ -1128,7 +1133,7 @@
           <a:p>
             <a:fld id="{86A1EF3E-6532-6A43-9597-701BF4DA9833}" type="datetimeFigureOut">
               <a:rPr lang="en-DE" smtClean="0"/>
-              <a:t>17.01.21</a:t>
+              <a:t>05.03.21</a:t>
             </a:fld>
             <a:endParaRPr lang="en-DE"/>
           </a:p>
@@ -1687,7 +1692,7 @@
           <a:p>
             <a:fld id="{86A1EF3E-6532-6A43-9597-701BF4DA9833}" type="datetimeFigureOut">
               <a:rPr lang="en-DE" smtClean="0"/>
-              <a:t>17.01.21</a:t>
+              <a:t>05.03.21</a:t>
             </a:fld>
             <a:endParaRPr lang="en-DE"/>
           </a:p>
@@ -1963,7 +1968,7 @@
           <a:p>
             <a:fld id="{86A1EF3E-6532-6A43-9597-701BF4DA9833}" type="datetimeFigureOut">
               <a:rPr lang="en-DE" smtClean="0"/>
-              <a:t>17.01.21</a:t>
+              <a:t>05.03.21</a:t>
             </a:fld>
             <a:endParaRPr lang="en-DE"/>
           </a:p>
@@ -2231,7 +2236,7 @@
           <a:p>
             <a:fld id="{86A1EF3E-6532-6A43-9597-701BF4DA9833}" type="datetimeFigureOut">
               <a:rPr lang="en-DE" smtClean="0"/>
-              <a:t>17.01.21</a:t>
+              <a:t>05.03.21</a:t>
             </a:fld>
             <a:endParaRPr lang="en-DE"/>
           </a:p>
@@ -2646,7 +2651,7 @@
           <a:p>
             <a:fld id="{86A1EF3E-6532-6A43-9597-701BF4DA9833}" type="datetimeFigureOut">
               <a:rPr lang="en-DE" smtClean="0"/>
-              <a:t>17.01.21</a:t>
+              <a:t>05.03.21</a:t>
             </a:fld>
             <a:endParaRPr lang="en-DE"/>
           </a:p>
@@ -2788,7 +2793,7 @@
           <a:p>
             <a:fld id="{86A1EF3E-6532-6A43-9597-701BF4DA9833}" type="datetimeFigureOut">
               <a:rPr lang="en-DE" smtClean="0"/>
-              <a:t>17.01.21</a:t>
+              <a:t>05.03.21</a:t>
             </a:fld>
             <a:endParaRPr lang="en-DE"/>
           </a:p>
@@ -2901,7 +2906,7 @@
           <a:p>
             <a:fld id="{86A1EF3E-6532-6A43-9597-701BF4DA9833}" type="datetimeFigureOut">
               <a:rPr lang="en-DE" smtClean="0"/>
-              <a:t>17.01.21</a:t>
+              <a:t>05.03.21</a:t>
             </a:fld>
             <a:endParaRPr lang="en-DE"/>
           </a:p>
@@ -3214,7 +3219,7 @@
           <a:p>
             <a:fld id="{86A1EF3E-6532-6A43-9597-701BF4DA9833}" type="datetimeFigureOut">
               <a:rPr lang="en-DE" smtClean="0"/>
-              <a:t>17.01.21</a:t>
+              <a:t>05.03.21</a:t>
             </a:fld>
             <a:endParaRPr lang="en-DE"/>
           </a:p>
@@ -3503,7 +3508,7 @@
           <a:p>
             <a:fld id="{86A1EF3E-6532-6A43-9597-701BF4DA9833}" type="datetimeFigureOut">
               <a:rPr lang="en-DE" smtClean="0"/>
-              <a:t>17.01.21</a:t>
+              <a:t>05.03.21</a:t>
             </a:fld>
             <a:endParaRPr lang="en-DE"/>
           </a:p>
@@ -3746,7 +3751,7 @@
           <a:p>
             <a:fld id="{86A1EF3E-6532-6A43-9597-701BF4DA9833}" type="datetimeFigureOut">
               <a:rPr lang="en-DE" smtClean="0"/>
-              <a:t>17.01.21</a:t>
+              <a:t>05.03.21</a:t>
             </a:fld>
             <a:endParaRPr lang="en-DE"/>
           </a:p>
@@ -4166,10 +4171,10 @@
       </p:grpSpPr>
       <p:grpSp>
         <p:nvGrpSpPr>
-          <p:cNvPr id="4" name="Group 3">
+          <p:cNvPr id="3" name="Group 2">
             <a:extLst>
               <a:ext uri="{FF2B5EF4-FFF2-40B4-BE49-F238E27FC236}">
-                <a16:creationId xmlns:a16="http://schemas.microsoft.com/office/drawing/2014/main" id="{847BD05C-1AAC-174E-93B7-AB85FC22F6BD}"/>
+                <a16:creationId xmlns:a16="http://schemas.microsoft.com/office/drawing/2014/main" id="{2F29E1DE-B50E-4643-9B51-5ABF50E2378B}"/>
               </a:ext>
             </a:extLst>
           </p:cNvPr>
@@ -4179,17 +4184,17 @@
         <p:grpSpPr>
           <a:xfrm>
             <a:off x="2560467" y="585601"/>
-            <a:ext cx="8722979" cy="5827850"/>
-            <a:chOff x="1920350" y="439200"/>
-            <a:chExt cx="6542234" cy="4370888"/>
+            <a:ext cx="7071067" cy="4521459"/>
+            <a:chOff x="1920350" y="995560"/>
+            <a:chExt cx="5303300" cy="3391095"/>
           </a:xfrm>
         </p:grpSpPr>
         <p:grpSp>
           <p:nvGrpSpPr>
-            <p:cNvPr id="3" name="Group 2">
+            <p:cNvPr id="2" name="Group 1">
               <a:extLst>
                 <a:ext uri="{FF2B5EF4-FFF2-40B4-BE49-F238E27FC236}">
-                  <a16:creationId xmlns:a16="http://schemas.microsoft.com/office/drawing/2014/main" id="{2F29E1DE-B50E-4643-9B51-5ABF50E2378B}"/>
+                  <a16:creationId xmlns:a16="http://schemas.microsoft.com/office/drawing/2014/main" id="{69E18EAE-803A-BA42-BEF9-385B34862A17}"/>
                 </a:ext>
               </a:extLst>
             </p:cNvPr>
@@ -4198,48 +4203,138 @@
           </p:nvGrpSpPr>
           <p:grpSpPr>
             <a:xfrm>
-              <a:off x="1920350" y="439200"/>
-              <a:ext cx="5303300" cy="3391095"/>
-              <a:chOff x="1920350" y="995560"/>
-              <a:chExt cx="5303300" cy="3391095"/>
+              <a:off x="2050850" y="1556701"/>
+              <a:ext cx="4974500" cy="2829954"/>
+              <a:chOff x="1299525" y="1003307"/>
+              <a:chExt cx="4974500" cy="2829954"/>
             </a:xfrm>
           </p:grpSpPr>
+          <p:sp>
+            <p:nvSpPr>
+              <p:cNvPr id="137" name="Google Shape;137;p16"/>
+              <p:cNvSpPr/>
+              <p:nvPr/>
+            </p:nvSpPr>
+            <p:spPr>
+              <a:xfrm>
+                <a:off x="1299525" y="1453950"/>
+                <a:ext cx="600600" cy="600600"/>
+              </a:xfrm>
+              <a:prstGeom prst="ellipse">
+                <a:avLst/>
+              </a:prstGeom>
+              <a:solidFill>
+                <a:srgbClr val="ECCC24"/>
+              </a:solidFill>
+              <a:ln>
+                <a:noFill/>
+              </a:ln>
+            </p:spPr>
+            <p:txBody>
+              <a:bodyPr spcFirstLastPara="1" wrap="square" lIns="121900" tIns="121900" rIns="121900" bIns="121900" anchor="ctr" anchorCtr="0">
+                <a:noAutofit/>
+              </a:bodyPr>
+              <a:lstStyle/>
+              <a:p>
+                <a:endParaRPr sz="2400"/>
+              </a:p>
+            </p:txBody>
+          </p:sp>
+          <p:sp>
+            <p:nvSpPr>
+              <p:cNvPr id="138" name="Google Shape;138;p16"/>
+              <p:cNvSpPr/>
+              <p:nvPr/>
+            </p:nvSpPr>
+            <p:spPr>
+              <a:xfrm>
+                <a:off x="1299525" y="2172450"/>
+                <a:ext cx="600600" cy="600600"/>
+              </a:xfrm>
+              <a:prstGeom prst="ellipse">
+                <a:avLst/>
+              </a:prstGeom>
+              <a:solidFill>
+                <a:srgbClr val="ECCC24"/>
+              </a:solidFill>
+              <a:ln>
+                <a:noFill/>
+              </a:ln>
+            </p:spPr>
+            <p:txBody>
+              <a:bodyPr spcFirstLastPara="1" wrap="square" lIns="121900" tIns="121900" rIns="121900" bIns="121900" anchor="ctr" anchorCtr="0">
+                <a:noAutofit/>
+              </a:bodyPr>
+              <a:lstStyle/>
+              <a:p>
+                <a:endParaRPr sz="2400"/>
+              </a:p>
+            </p:txBody>
+          </p:sp>
+          <p:sp>
+            <p:nvSpPr>
+              <p:cNvPr id="139" name="Google Shape;139;p16"/>
+              <p:cNvSpPr/>
+              <p:nvPr/>
+            </p:nvSpPr>
+            <p:spPr>
+              <a:xfrm>
+                <a:off x="1299525" y="2890950"/>
+                <a:ext cx="600600" cy="600600"/>
+              </a:xfrm>
+              <a:prstGeom prst="ellipse">
+                <a:avLst/>
+              </a:prstGeom>
+              <a:solidFill>
+                <a:srgbClr val="ECCC24"/>
+              </a:solidFill>
+              <a:ln>
+                <a:noFill/>
+              </a:ln>
+            </p:spPr>
+            <p:txBody>
+              <a:bodyPr spcFirstLastPara="1" wrap="square" lIns="121900" tIns="121900" rIns="121900" bIns="121900" anchor="ctr" anchorCtr="0">
+                <a:noAutofit/>
+              </a:bodyPr>
+              <a:lstStyle/>
+              <a:p>
+                <a:endParaRPr sz="2400"/>
+              </a:p>
+            </p:txBody>
+          </p:sp>
           <p:grpSp>
             <p:nvGrpSpPr>
-              <p:cNvPr id="2" name="Group 1">
-                <a:extLst>
-                  <a:ext uri="{FF2B5EF4-FFF2-40B4-BE49-F238E27FC236}">
-                    <a16:creationId xmlns:a16="http://schemas.microsoft.com/office/drawing/2014/main" id="{69E18EAE-803A-BA42-BEF9-385B34862A17}"/>
-                  </a:ext>
-                </a:extLst>
-              </p:cNvPr>
+              <p:cNvPr id="140" name="Google Shape;140;p16"/>
               <p:cNvGrpSpPr/>
               <p:nvPr/>
             </p:nvGrpSpPr>
             <p:grpSpPr>
               <a:xfrm>
-                <a:off x="2050850" y="1556701"/>
-                <a:ext cx="4974500" cy="2829954"/>
-                <a:chOff x="1299525" y="1003307"/>
-                <a:chExt cx="4974500" cy="2829954"/>
+                <a:off x="3522106" y="1003307"/>
+                <a:ext cx="600569" cy="600579"/>
+                <a:chOff x="4861200" y="959925"/>
+                <a:chExt cx="689200" cy="688500"/>
               </a:xfrm>
             </p:grpSpPr>
             <p:sp>
               <p:nvSpPr>
-                <p:cNvPr id="137" name="Google Shape;137;p16"/>
+                <p:cNvPr id="141" name="Google Shape;141;p16"/>
                 <p:cNvSpPr/>
                 <p:nvPr/>
               </p:nvSpPr>
               <p:spPr>
                 <a:xfrm>
-                  <a:off x="1299525" y="1453950"/>
-                  <a:ext cx="600600" cy="600600"/>
+                  <a:off x="4861200" y="959925"/>
+                  <a:ext cx="689100" cy="688500"/>
                 </a:xfrm>
-                <a:prstGeom prst="ellipse">
-                  <a:avLst/>
+                <a:prstGeom prst="pie">
+                  <a:avLst>
+                    <a:gd name="adj1" fmla="val 5396744"/>
+                    <a:gd name="adj2" fmla="val 16200000"/>
+                  </a:avLst>
                 </a:prstGeom>
                 <a:solidFill>
-                  <a:srgbClr val="ECCC24"/>
+                  <a:srgbClr val="A2C4C9"/>
                 </a:solidFill>
                 <a:ln>
                   <a:noFill/>
@@ -4257,20 +4352,72 @@
             </p:sp>
             <p:sp>
               <p:nvSpPr>
-                <p:cNvPr id="138" name="Google Shape;138;p16"/>
+                <p:cNvPr id="142" name="Google Shape;142;p16"/>
+                <p:cNvSpPr/>
+                <p:nvPr/>
+              </p:nvSpPr>
+              <p:spPr>
+                <a:xfrm rot="10800000">
+                  <a:off x="4861300" y="959925"/>
+                  <a:ext cx="689100" cy="688500"/>
+                </a:xfrm>
+                <a:prstGeom prst="pie">
+                  <a:avLst>
+                    <a:gd name="adj1" fmla="val 5396744"/>
+                    <a:gd name="adj2" fmla="val 16200000"/>
+                  </a:avLst>
+                </a:prstGeom>
+                <a:solidFill>
+                  <a:srgbClr val="45818E"/>
+                </a:solidFill>
+                <a:ln>
+                  <a:noFill/>
+                </a:ln>
+              </p:spPr>
+              <p:txBody>
+                <a:bodyPr spcFirstLastPara="1" wrap="square" lIns="121900" tIns="121900" rIns="121900" bIns="121900" anchor="ctr" anchorCtr="0">
+                  <a:noAutofit/>
+                </a:bodyPr>
+                <a:lstStyle/>
+                <a:p>
+                  <a:endParaRPr sz="2400"/>
+                </a:p>
+              </p:txBody>
+            </p:sp>
+          </p:grpSp>
+          <p:grpSp>
+            <p:nvGrpSpPr>
+              <p:cNvPr id="143" name="Google Shape;143;p16"/>
+              <p:cNvGrpSpPr/>
+              <p:nvPr/>
+            </p:nvGrpSpPr>
+            <p:grpSpPr>
+              <a:xfrm>
+                <a:off x="3522106" y="1746432"/>
+                <a:ext cx="600569" cy="600579"/>
+                <a:chOff x="4861200" y="959925"/>
+                <a:chExt cx="689200" cy="688500"/>
+              </a:xfrm>
+            </p:grpSpPr>
+            <p:sp>
+              <p:nvSpPr>
+                <p:cNvPr id="144" name="Google Shape;144;p16"/>
                 <p:cNvSpPr/>
                 <p:nvPr/>
               </p:nvSpPr>
               <p:spPr>
                 <a:xfrm>
-                  <a:off x="1299525" y="2172450"/>
-                  <a:ext cx="600600" cy="600600"/>
+                  <a:off x="4861200" y="959925"/>
+                  <a:ext cx="689100" cy="688500"/>
                 </a:xfrm>
-                <a:prstGeom prst="ellipse">
-                  <a:avLst/>
+                <a:prstGeom prst="pie">
+                  <a:avLst>
+                    <a:gd name="adj1" fmla="val 5396744"/>
+                    <a:gd name="adj2" fmla="val 16200000"/>
+                  </a:avLst>
                 </a:prstGeom>
                 <a:solidFill>
-                  <a:srgbClr val="ECCC24"/>
+                  <a:srgbClr val="A2C4C9"/>
                 </a:solidFill>
                 <a:ln>
                   <a:noFill/>
@@ -4288,20 +4435,23 @@
             </p:sp>
             <p:sp>
               <p:nvSpPr>
-                <p:cNvPr id="139" name="Google Shape;139;p16"/>
+                <p:cNvPr id="145" name="Google Shape;145;p16"/>
                 <p:cNvSpPr/>
                 <p:nvPr/>
               </p:nvSpPr>
               <p:spPr>
-                <a:xfrm>
-                  <a:off x="1299525" y="2890950"/>
-                  <a:ext cx="600600" cy="600600"/>
+                <a:xfrm rot="10800000">
+                  <a:off x="4861300" y="959925"/>
+                  <a:ext cx="689100" cy="688500"/>
                 </a:xfrm>
-                <a:prstGeom prst="ellipse">
-                  <a:avLst/>
+                <a:prstGeom prst="pie">
+                  <a:avLst>
+                    <a:gd name="adj1" fmla="val 5396744"/>
+                    <a:gd name="adj2" fmla="val 16200000"/>
+                  </a:avLst>
                 </a:prstGeom>
                 <a:solidFill>
-                  <a:srgbClr val="ECCC24"/>
+                  <a:srgbClr val="45818E"/>
                 </a:solidFill>
                 <a:ln>
                   <a:noFill/>
@@ -4317,1073 +4467,747 @@
                 </a:p>
               </p:txBody>
             </p:sp>
-            <p:grpSp>
-              <p:nvGrpSpPr>
-                <p:cNvPr id="140" name="Google Shape;140;p16"/>
-                <p:cNvGrpSpPr/>
-                <p:nvPr/>
-              </p:nvGrpSpPr>
-              <p:grpSpPr>
-                <a:xfrm>
-                  <a:off x="3522106" y="1003307"/>
-                  <a:ext cx="600569" cy="600579"/>
-                  <a:chOff x="4861200" y="959925"/>
-                  <a:chExt cx="689200" cy="688500"/>
-                </a:xfrm>
-              </p:grpSpPr>
-              <p:sp>
-                <p:nvSpPr>
-                  <p:cNvPr id="141" name="Google Shape;141;p16"/>
-                  <p:cNvSpPr/>
-                  <p:nvPr/>
-                </p:nvSpPr>
-                <p:spPr>
-                  <a:xfrm>
-                    <a:off x="4861200" y="959925"/>
-                    <a:ext cx="689100" cy="688500"/>
-                  </a:xfrm>
-                  <a:prstGeom prst="pie">
-                    <a:avLst>
-                      <a:gd name="adj1" fmla="val 5396744"/>
-                      <a:gd name="adj2" fmla="val 16200000"/>
-                    </a:avLst>
-                  </a:prstGeom>
-                  <a:solidFill>
-                    <a:srgbClr val="A2C4C9"/>
-                  </a:solidFill>
-                  <a:ln>
-                    <a:noFill/>
-                  </a:ln>
-                </p:spPr>
-                <p:txBody>
-                  <a:bodyPr spcFirstLastPara="1" wrap="square" lIns="121900" tIns="121900" rIns="121900" bIns="121900" anchor="ctr" anchorCtr="0">
-                    <a:noAutofit/>
-                  </a:bodyPr>
-                  <a:lstStyle/>
-                  <a:p>
-                    <a:endParaRPr sz="2400"/>
-                  </a:p>
-                </p:txBody>
-              </p:sp>
-              <p:sp>
-                <p:nvSpPr>
-                  <p:cNvPr id="142" name="Google Shape;142;p16"/>
-                  <p:cNvSpPr/>
-                  <p:nvPr/>
-                </p:nvSpPr>
-                <p:spPr>
-                  <a:xfrm rot="10800000">
-                    <a:off x="4861300" y="959925"/>
-                    <a:ext cx="689100" cy="688500"/>
-                  </a:xfrm>
-                  <a:prstGeom prst="pie">
-                    <a:avLst>
-                      <a:gd name="adj1" fmla="val 5396744"/>
-                      <a:gd name="adj2" fmla="val 16200000"/>
-                    </a:avLst>
-                  </a:prstGeom>
-                  <a:solidFill>
-                    <a:srgbClr val="45818E"/>
-                  </a:solidFill>
-                  <a:ln>
-                    <a:noFill/>
-                  </a:ln>
-                </p:spPr>
-                <p:txBody>
-                  <a:bodyPr spcFirstLastPara="1" wrap="square" lIns="121900" tIns="121900" rIns="121900" bIns="121900" anchor="ctr" anchorCtr="0">
-                    <a:noAutofit/>
-                  </a:bodyPr>
-                  <a:lstStyle/>
-                  <a:p>
-                    <a:endParaRPr sz="2400"/>
-                  </a:p>
-                </p:txBody>
-              </p:sp>
-            </p:grpSp>
-            <p:grpSp>
-              <p:nvGrpSpPr>
-                <p:cNvPr id="143" name="Google Shape;143;p16"/>
-                <p:cNvGrpSpPr/>
-                <p:nvPr/>
-              </p:nvGrpSpPr>
-              <p:grpSpPr>
-                <a:xfrm>
-                  <a:off x="3522106" y="1746432"/>
-                  <a:ext cx="600569" cy="600579"/>
-                  <a:chOff x="4861200" y="959925"/>
-                  <a:chExt cx="689200" cy="688500"/>
-                </a:xfrm>
-              </p:grpSpPr>
-              <p:sp>
-                <p:nvSpPr>
-                  <p:cNvPr id="144" name="Google Shape;144;p16"/>
-                  <p:cNvSpPr/>
-                  <p:nvPr/>
-                </p:nvSpPr>
-                <p:spPr>
-                  <a:xfrm>
-                    <a:off x="4861200" y="959925"/>
-                    <a:ext cx="689100" cy="688500"/>
-                  </a:xfrm>
-                  <a:prstGeom prst="pie">
-                    <a:avLst>
-                      <a:gd name="adj1" fmla="val 5396744"/>
-                      <a:gd name="adj2" fmla="val 16200000"/>
-                    </a:avLst>
-                  </a:prstGeom>
-                  <a:solidFill>
-                    <a:srgbClr val="A2C4C9"/>
-                  </a:solidFill>
-                  <a:ln>
-                    <a:noFill/>
-                  </a:ln>
-                </p:spPr>
-                <p:txBody>
-                  <a:bodyPr spcFirstLastPara="1" wrap="square" lIns="121900" tIns="121900" rIns="121900" bIns="121900" anchor="ctr" anchorCtr="0">
-                    <a:noAutofit/>
-                  </a:bodyPr>
-                  <a:lstStyle/>
-                  <a:p>
-                    <a:endParaRPr sz="2400"/>
-                  </a:p>
-                </p:txBody>
-              </p:sp>
-              <p:sp>
-                <p:nvSpPr>
-                  <p:cNvPr id="145" name="Google Shape;145;p16"/>
-                  <p:cNvSpPr/>
-                  <p:nvPr/>
-                </p:nvSpPr>
-                <p:spPr>
-                  <a:xfrm rot="10800000">
-                    <a:off x="4861300" y="959925"/>
-                    <a:ext cx="689100" cy="688500"/>
-                  </a:xfrm>
-                  <a:prstGeom prst="pie">
-                    <a:avLst>
-                      <a:gd name="adj1" fmla="val 5396744"/>
-                      <a:gd name="adj2" fmla="val 16200000"/>
-                    </a:avLst>
-                  </a:prstGeom>
-                  <a:solidFill>
-                    <a:srgbClr val="45818E"/>
-                  </a:solidFill>
-                  <a:ln>
-                    <a:noFill/>
-                  </a:ln>
-                </p:spPr>
-                <p:txBody>
-                  <a:bodyPr spcFirstLastPara="1" wrap="square" lIns="121900" tIns="121900" rIns="121900" bIns="121900" anchor="ctr" anchorCtr="0">
-                    <a:noAutofit/>
-                  </a:bodyPr>
-                  <a:lstStyle/>
-                  <a:p>
-                    <a:endParaRPr sz="2400"/>
-                  </a:p>
-                </p:txBody>
-              </p:sp>
-            </p:grpSp>
-            <p:grpSp>
-              <p:nvGrpSpPr>
-                <p:cNvPr id="146" name="Google Shape;146;p16"/>
-                <p:cNvGrpSpPr/>
-                <p:nvPr/>
-              </p:nvGrpSpPr>
-              <p:grpSpPr>
-                <a:xfrm>
-                  <a:off x="3522106" y="2489557"/>
-                  <a:ext cx="600569" cy="600579"/>
-                  <a:chOff x="4861200" y="959925"/>
-                  <a:chExt cx="689200" cy="688500"/>
-                </a:xfrm>
-              </p:grpSpPr>
-              <p:sp>
-                <p:nvSpPr>
-                  <p:cNvPr id="147" name="Google Shape;147;p16"/>
-                  <p:cNvSpPr/>
-                  <p:nvPr/>
-                </p:nvSpPr>
-                <p:spPr>
-                  <a:xfrm>
-                    <a:off x="4861200" y="959925"/>
-                    <a:ext cx="689100" cy="688500"/>
-                  </a:xfrm>
-                  <a:prstGeom prst="pie">
-                    <a:avLst>
-                      <a:gd name="adj1" fmla="val 5396744"/>
-                      <a:gd name="adj2" fmla="val 16200000"/>
-                    </a:avLst>
-                  </a:prstGeom>
-                  <a:solidFill>
-                    <a:srgbClr val="A2C4C9"/>
-                  </a:solidFill>
-                  <a:ln>
-                    <a:noFill/>
-                  </a:ln>
-                </p:spPr>
-                <p:txBody>
-                  <a:bodyPr spcFirstLastPara="1" wrap="square" lIns="121900" tIns="121900" rIns="121900" bIns="121900" anchor="ctr" anchorCtr="0">
-                    <a:noAutofit/>
-                  </a:bodyPr>
-                  <a:lstStyle/>
-                  <a:p>
-                    <a:endParaRPr sz="2400"/>
-                  </a:p>
-                </p:txBody>
-              </p:sp>
-              <p:sp>
-                <p:nvSpPr>
-                  <p:cNvPr id="148" name="Google Shape;148;p16"/>
-                  <p:cNvSpPr/>
-                  <p:nvPr/>
-                </p:nvSpPr>
-                <p:spPr>
-                  <a:xfrm rot="10800000">
-                    <a:off x="4861300" y="959925"/>
-                    <a:ext cx="689100" cy="688500"/>
-                  </a:xfrm>
-                  <a:prstGeom prst="pie">
-                    <a:avLst>
-                      <a:gd name="adj1" fmla="val 5396744"/>
-                      <a:gd name="adj2" fmla="val 16200000"/>
-                    </a:avLst>
-                  </a:prstGeom>
-                  <a:solidFill>
-                    <a:srgbClr val="45818E"/>
-                  </a:solidFill>
-                  <a:ln>
-                    <a:noFill/>
-                  </a:ln>
-                </p:spPr>
-                <p:txBody>
-                  <a:bodyPr spcFirstLastPara="1" wrap="square" lIns="121900" tIns="121900" rIns="121900" bIns="121900" anchor="ctr" anchorCtr="0">
-                    <a:noAutofit/>
-                  </a:bodyPr>
-                  <a:lstStyle/>
-                  <a:p>
-                    <a:endParaRPr sz="2400"/>
-                  </a:p>
-                </p:txBody>
-              </p:sp>
-            </p:grpSp>
-            <p:grpSp>
-              <p:nvGrpSpPr>
-                <p:cNvPr id="149" name="Google Shape;149;p16"/>
-                <p:cNvGrpSpPr/>
-                <p:nvPr/>
-              </p:nvGrpSpPr>
-              <p:grpSpPr>
-                <a:xfrm>
-                  <a:off x="3522106" y="3232682"/>
-                  <a:ext cx="600569" cy="600579"/>
-                  <a:chOff x="4861200" y="959925"/>
-                  <a:chExt cx="689200" cy="688500"/>
-                </a:xfrm>
-              </p:grpSpPr>
-              <p:sp>
-                <p:nvSpPr>
-                  <p:cNvPr id="150" name="Google Shape;150;p16"/>
-                  <p:cNvSpPr/>
-                  <p:nvPr/>
-                </p:nvSpPr>
-                <p:spPr>
-                  <a:xfrm>
-                    <a:off x="4861200" y="959925"/>
-                    <a:ext cx="689100" cy="688500"/>
-                  </a:xfrm>
-                  <a:prstGeom prst="pie">
-                    <a:avLst>
-                      <a:gd name="adj1" fmla="val 5396744"/>
-                      <a:gd name="adj2" fmla="val 16200000"/>
-                    </a:avLst>
-                  </a:prstGeom>
-                  <a:solidFill>
-                    <a:srgbClr val="A2C4C9"/>
-                  </a:solidFill>
-                  <a:ln>
-                    <a:noFill/>
-                  </a:ln>
-                </p:spPr>
-                <p:txBody>
-                  <a:bodyPr spcFirstLastPara="1" wrap="square" lIns="121900" tIns="121900" rIns="121900" bIns="121900" anchor="ctr" anchorCtr="0">
-                    <a:noAutofit/>
-                  </a:bodyPr>
-                  <a:lstStyle/>
-                  <a:p>
-                    <a:endParaRPr sz="2400"/>
-                  </a:p>
-                </p:txBody>
-              </p:sp>
-              <p:sp>
-                <p:nvSpPr>
-                  <p:cNvPr id="151" name="Google Shape;151;p16"/>
-                  <p:cNvSpPr/>
-                  <p:nvPr/>
-                </p:nvSpPr>
-                <p:spPr>
-                  <a:xfrm rot="10800000">
-                    <a:off x="4861300" y="959925"/>
-                    <a:ext cx="689100" cy="688500"/>
-                  </a:xfrm>
-                  <a:prstGeom prst="pie">
-                    <a:avLst>
-                      <a:gd name="adj1" fmla="val 5396744"/>
-                      <a:gd name="adj2" fmla="val 16200000"/>
-                    </a:avLst>
-                  </a:prstGeom>
-                  <a:solidFill>
-                    <a:srgbClr val="45818E"/>
-                  </a:solidFill>
-                  <a:ln>
-                    <a:noFill/>
-                  </a:ln>
-                </p:spPr>
-                <p:txBody>
-                  <a:bodyPr spcFirstLastPara="1" wrap="square" lIns="121900" tIns="121900" rIns="121900" bIns="121900" anchor="ctr" anchorCtr="0">
-                    <a:noAutofit/>
-                  </a:bodyPr>
-                  <a:lstStyle/>
-                  <a:p>
-                    <a:endParaRPr sz="2400"/>
-                  </a:p>
-                </p:txBody>
-              </p:sp>
-            </p:grpSp>
-            <p:grpSp>
-              <p:nvGrpSpPr>
-                <p:cNvPr id="152" name="Google Shape;152;p16"/>
-                <p:cNvGrpSpPr/>
-                <p:nvPr/>
-              </p:nvGrpSpPr>
-              <p:grpSpPr>
-                <a:xfrm>
-                  <a:off x="5673456" y="2172469"/>
-                  <a:ext cx="600569" cy="600579"/>
-                  <a:chOff x="4861200" y="959925"/>
-                  <a:chExt cx="689200" cy="688500"/>
-                </a:xfrm>
-              </p:grpSpPr>
-              <p:sp>
-                <p:nvSpPr>
-                  <p:cNvPr id="153" name="Google Shape;153;p16"/>
-                  <p:cNvSpPr/>
-                  <p:nvPr/>
-                </p:nvSpPr>
-                <p:spPr>
-                  <a:xfrm>
-                    <a:off x="4861200" y="959925"/>
-                    <a:ext cx="689100" cy="688500"/>
-                  </a:xfrm>
-                  <a:prstGeom prst="pie">
-                    <a:avLst>
-                      <a:gd name="adj1" fmla="val 5396744"/>
-                      <a:gd name="adj2" fmla="val 16200000"/>
-                    </a:avLst>
-                  </a:prstGeom>
-                  <a:solidFill>
-                    <a:srgbClr val="B6D7A8"/>
-                  </a:solidFill>
-                  <a:ln>
-                    <a:noFill/>
-                  </a:ln>
-                </p:spPr>
-                <p:txBody>
-                  <a:bodyPr spcFirstLastPara="1" wrap="square" lIns="121900" tIns="121900" rIns="121900" bIns="121900" anchor="ctr" anchorCtr="0">
-                    <a:noAutofit/>
-                  </a:bodyPr>
-                  <a:lstStyle/>
-                  <a:p>
-                    <a:endParaRPr sz="2400"/>
-                  </a:p>
-                </p:txBody>
-              </p:sp>
-              <p:sp>
-                <p:nvSpPr>
-                  <p:cNvPr id="154" name="Google Shape;154;p16"/>
-                  <p:cNvSpPr/>
-                  <p:nvPr/>
-                </p:nvSpPr>
-                <p:spPr>
-                  <a:xfrm rot="10800000">
-                    <a:off x="4861300" y="959925"/>
-                    <a:ext cx="689100" cy="688500"/>
-                  </a:xfrm>
-                  <a:prstGeom prst="pie">
-                    <a:avLst>
-                      <a:gd name="adj1" fmla="val 5396744"/>
-                      <a:gd name="adj2" fmla="val 16200000"/>
-                    </a:avLst>
-                  </a:prstGeom>
-                  <a:solidFill>
-                    <a:srgbClr val="6AA84F"/>
-                  </a:solidFill>
-                  <a:ln>
-                    <a:noFill/>
-                  </a:ln>
-                </p:spPr>
-                <p:txBody>
-                  <a:bodyPr spcFirstLastPara="1" wrap="square" lIns="121900" tIns="121900" rIns="121900" bIns="121900" anchor="ctr" anchorCtr="0">
-                    <a:noAutofit/>
-                  </a:bodyPr>
-                  <a:lstStyle/>
-                  <a:p>
-                    <a:endParaRPr sz="2400"/>
-                  </a:p>
-                </p:txBody>
-              </p:sp>
-            </p:grpSp>
-            <p:cxnSp>
-              <p:nvCxnSpPr>
-                <p:cNvPr id="155" name="Google Shape;155;p16"/>
-                <p:cNvCxnSpPr>
-                  <a:stCxn id="137" idx="6"/>
-                  <a:endCxn id="141" idx="2"/>
-                </p:cNvCxnSpPr>
-                <p:nvPr/>
-              </p:nvCxnSpPr>
-              <p:spPr>
-                <a:xfrm rot="10800000" flipH="1">
-                  <a:off x="1900125" y="1303650"/>
-                  <a:ext cx="1622100" cy="450600"/>
-                </a:xfrm>
-                <a:prstGeom prst="straightConnector1">
-                  <a:avLst/>
-                </a:prstGeom>
-                <a:noFill/>
-                <a:ln w="19050" cap="flat" cmpd="sng">
-                  <a:solidFill>
-                    <a:srgbClr val="CCCCCC"/>
-                  </a:solidFill>
-                  <a:prstDash val="solid"/>
-                  <a:round/>
-                  <a:headEnd type="none" w="med" len="med"/>
-                  <a:tailEnd type="triangle" w="med" len="med"/>
-                </a:ln>
-              </p:spPr>
-            </p:cxnSp>
-            <p:cxnSp>
-              <p:nvCxnSpPr>
-                <p:cNvPr id="156" name="Google Shape;156;p16"/>
-                <p:cNvCxnSpPr>
-                  <a:stCxn id="137" idx="6"/>
-                  <a:endCxn id="144" idx="2"/>
-                </p:cNvCxnSpPr>
-                <p:nvPr/>
-              </p:nvCxnSpPr>
-              <p:spPr>
-                <a:xfrm>
-                  <a:off x="1900125" y="1754250"/>
-                  <a:ext cx="1622100" cy="292500"/>
-                </a:xfrm>
-                <a:prstGeom prst="straightConnector1">
-                  <a:avLst/>
-                </a:prstGeom>
-                <a:noFill/>
-                <a:ln w="19050" cap="flat" cmpd="sng">
-                  <a:solidFill>
-                    <a:srgbClr val="CCCCCC"/>
-                  </a:solidFill>
-                  <a:prstDash val="solid"/>
-                  <a:round/>
-                  <a:headEnd type="none" w="med" len="med"/>
-                  <a:tailEnd type="triangle" w="med" len="med"/>
-                </a:ln>
-              </p:spPr>
-            </p:cxnSp>
-            <p:cxnSp>
-              <p:nvCxnSpPr>
-                <p:cNvPr id="157" name="Google Shape;157;p16"/>
-                <p:cNvCxnSpPr>
-                  <a:stCxn id="138" idx="6"/>
-                  <a:endCxn id="141" idx="2"/>
-                </p:cNvCxnSpPr>
-                <p:nvPr/>
-              </p:nvCxnSpPr>
-              <p:spPr>
-                <a:xfrm rot="10800000" flipH="1">
-                  <a:off x="1900125" y="1303650"/>
-                  <a:ext cx="1622100" cy="1169100"/>
-                </a:xfrm>
-                <a:prstGeom prst="straightConnector1">
-                  <a:avLst/>
-                </a:prstGeom>
-                <a:noFill/>
-                <a:ln w="19050" cap="flat" cmpd="sng">
-                  <a:solidFill>
-                    <a:srgbClr val="CCCCCC"/>
-                  </a:solidFill>
-                  <a:prstDash val="solid"/>
-                  <a:round/>
-                  <a:headEnd type="none" w="med" len="med"/>
-                  <a:tailEnd type="triangle" w="med" len="med"/>
-                </a:ln>
-              </p:spPr>
-            </p:cxnSp>
-            <p:cxnSp>
-              <p:nvCxnSpPr>
-                <p:cNvPr id="158" name="Google Shape;158;p16"/>
-                <p:cNvCxnSpPr>
-                  <a:stCxn id="137" idx="6"/>
-                  <a:endCxn id="150" idx="2"/>
-                </p:cNvCxnSpPr>
-                <p:nvPr/>
-              </p:nvCxnSpPr>
-              <p:spPr>
-                <a:xfrm>
-                  <a:off x="1900125" y="1754250"/>
-                  <a:ext cx="1622100" cy="1778700"/>
-                </a:xfrm>
-                <a:prstGeom prst="straightConnector1">
-                  <a:avLst/>
-                </a:prstGeom>
-                <a:noFill/>
-                <a:ln w="19050" cap="flat" cmpd="sng">
-                  <a:solidFill>
-                    <a:srgbClr val="CCCCCC"/>
-                  </a:solidFill>
-                  <a:prstDash val="solid"/>
-                  <a:round/>
-                  <a:headEnd type="none" w="med" len="med"/>
-                  <a:tailEnd type="triangle" w="med" len="med"/>
-                </a:ln>
-              </p:spPr>
-            </p:cxnSp>
-            <p:cxnSp>
-              <p:nvCxnSpPr>
-                <p:cNvPr id="159" name="Google Shape;159;p16"/>
-                <p:cNvCxnSpPr>
-                  <a:stCxn id="138" idx="6"/>
-                  <a:endCxn id="144" idx="2"/>
-                </p:cNvCxnSpPr>
-                <p:nvPr/>
-              </p:nvCxnSpPr>
-              <p:spPr>
-                <a:xfrm rot="10800000" flipH="1">
-                  <a:off x="1900125" y="2046750"/>
-                  <a:ext cx="1622100" cy="426000"/>
-                </a:xfrm>
-                <a:prstGeom prst="straightConnector1">
-                  <a:avLst/>
-                </a:prstGeom>
-                <a:noFill/>
-                <a:ln w="19050" cap="flat" cmpd="sng">
-                  <a:solidFill>
-                    <a:srgbClr val="CCCCCC"/>
-                  </a:solidFill>
-                  <a:prstDash val="solid"/>
-                  <a:round/>
-                  <a:headEnd type="none" w="med" len="med"/>
-                  <a:tailEnd type="triangle" w="med" len="med"/>
-                </a:ln>
-              </p:spPr>
-            </p:cxnSp>
-            <p:cxnSp>
-              <p:nvCxnSpPr>
-                <p:cNvPr id="160" name="Google Shape;160;p16"/>
-                <p:cNvCxnSpPr>
-                  <a:stCxn id="138" idx="6"/>
-                  <a:endCxn id="150" idx="2"/>
-                </p:cNvCxnSpPr>
-                <p:nvPr/>
-              </p:nvCxnSpPr>
-              <p:spPr>
-                <a:xfrm>
-                  <a:off x="1900125" y="2472750"/>
-                  <a:ext cx="1622100" cy="1060200"/>
-                </a:xfrm>
-                <a:prstGeom prst="straightConnector1">
-                  <a:avLst/>
-                </a:prstGeom>
-                <a:noFill/>
-                <a:ln w="19050" cap="flat" cmpd="sng">
-                  <a:solidFill>
-                    <a:srgbClr val="CCCCCC"/>
-                  </a:solidFill>
-                  <a:prstDash val="solid"/>
-                  <a:round/>
-                  <a:headEnd type="none" w="med" len="med"/>
-                  <a:tailEnd type="triangle" w="med" len="med"/>
-                </a:ln>
-              </p:spPr>
-            </p:cxnSp>
-            <p:cxnSp>
-              <p:nvCxnSpPr>
-                <p:cNvPr id="161" name="Google Shape;161;p16"/>
-                <p:cNvCxnSpPr>
-                  <a:stCxn id="139" idx="6"/>
-                  <a:endCxn id="141" idx="2"/>
-                </p:cNvCxnSpPr>
-                <p:nvPr/>
-              </p:nvCxnSpPr>
-              <p:spPr>
-                <a:xfrm rot="10800000" flipH="1">
-                  <a:off x="1900125" y="1303650"/>
-                  <a:ext cx="1622100" cy="1887600"/>
-                </a:xfrm>
-                <a:prstGeom prst="straightConnector1">
-                  <a:avLst/>
-                </a:prstGeom>
-                <a:noFill/>
-                <a:ln w="19050" cap="flat" cmpd="sng">
-                  <a:solidFill>
-                    <a:srgbClr val="CCCCCC"/>
-                  </a:solidFill>
-                  <a:prstDash val="solid"/>
-                  <a:round/>
-                  <a:headEnd type="none" w="med" len="med"/>
-                  <a:tailEnd type="triangle" w="med" len="med"/>
-                </a:ln>
-              </p:spPr>
-            </p:cxnSp>
-            <p:cxnSp>
-              <p:nvCxnSpPr>
-                <p:cNvPr id="162" name="Google Shape;162;p16"/>
-                <p:cNvCxnSpPr>
-                  <a:stCxn id="139" idx="6"/>
-                  <a:endCxn id="144" idx="2"/>
-                </p:cNvCxnSpPr>
-                <p:nvPr/>
-              </p:nvCxnSpPr>
-              <p:spPr>
-                <a:xfrm rot="10800000" flipH="1">
-                  <a:off x="1900125" y="2046750"/>
-                  <a:ext cx="1622100" cy="1144500"/>
-                </a:xfrm>
-                <a:prstGeom prst="straightConnector1">
-                  <a:avLst/>
-                </a:prstGeom>
-                <a:noFill/>
-                <a:ln w="19050" cap="flat" cmpd="sng">
-                  <a:solidFill>
-                    <a:srgbClr val="CCCCCC"/>
-                  </a:solidFill>
-                  <a:prstDash val="solid"/>
-                  <a:round/>
-                  <a:headEnd type="none" w="med" len="med"/>
-                  <a:tailEnd type="triangle" w="med" len="med"/>
-                </a:ln>
-              </p:spPr>
-            </p:cxnSp>
-            <p:cxnSp>
-              <p:nvCxnSpPr>
-                <p:cNvPr id="163" name="Google Shape;163;p16"/>
-                <p:cNvCxnSpPr>
-                  <a:stCxn id="139" idx="6"/>
-                  <a:endCxn id="150" idx="2"/>
-                </p:cNvCxnSpPr>
-                <p:nvPr/>
-              </p:nvCxnSpPr>
-              <p:spPr>
-                <a:xfrm>
-                  <a:off x="1900125" y="3191250"/>
-                  <a:ext cx="1622100" cy="341700"/>
-                </a:xfrm>
-                <a:prstGeom prst="straightConnector1">
-                  <a:avLst/>
-                </a:prstGeom>
-                <a:noFill/>
-                <a:ln w="19050" cap="flat" cmpd="sng">
-                  <a:solidFill>
-                    <a:srgbClr val="CCCCCC"/>
-                  </a:solidFill>
-                  <a:prstDash val="solid"/>
-                  <a:round/>
-                  <a:headEnd type="none" w="med" len="med"/>
-                  <a:tailEnd type="triangle" w="med" len="med"/>
-                </a:ln>
-              </p:spPr>
-            </p:cxnSp>
-            <p:cxnSp>
-              <p:nvCxnSpPr>
-                <p:cNvPr id="164" name="Google Shape;164;p16"/>
-                <p:cNvCxnSpPr>
-                  <a:stCxn id="139" idx="6"/>
-                  <a:endCxn id="147" idx="2"/>
-                </p:cNvCxnSpPr>
-                <p:nvPr/>
-              </p:nvCxnSpPr>
-              <p:spPr>
-                <a:xfrm rot="10800000" flipH="1">
-                  <a:off x="1900125" y="2789850"/>
-                  <a:ext cx="1622100" cy="401400"/>
-                </a:xfrm>
-                <a:prstGeom prst="straightConnector1">
-                  <a:avLst/>
-                </a:prstGeom>
-                <a:noFill/>
-                <a:ln w="19050" cap="flat" cmpd="sng">
-                  <a:solidFill>
-                    <a:srgbClr val="CCCCCC"/>
-                  </a:solidFill>
-                  <a:prstDash val="solid"/>
-                  <a:round/>
-                  <a:headEnd type="none" w="med" len="med"/>
-                  <a:tailEnd type="triangle" w="med" len="med"/>
-                </a:ln>
-              </p:spPr>
-            </p:cxnSp>
-            <p:cxnSp>
-              <p:nvCxnSpPr>
-                <p:cNvPr id="165" name="Google Shape;165;p16"/>
-                <p:cNvCxnSpPr>
-                  <a:stCxn id="138" idx="6"/>
-                  <a:endCxn id="147" idx="2"/>
-                </p:cNvCxnSpPr>
-                <p:nvPr/>
-              </p:nvCxnSpPr>
-              <p:spPr>
-                <a:xfrm>
-                  <a:off x="1900125" y="2472750"/>
-                  <a:ext cx="1622100" cy="317100"/>
-                </a:xfrm>
-                <a:prstGeom prst="straightConnector1">
-                  <a:avLst/>
-                </a:prstGeom>
-                <a:noFill/>
-                <a:ln w="19050" cap="flat" cmpd="sng">
-                  <a:solidFill>
-                    <a:srgbClr val="CCCCCC"/>
-                  </a:solidFill>
-                  <a:prstDash val="solid"/>
-                  <a:round/>
-                  <a:headEnd type="none" w="med" len="med"/>
-                  <a:tailEnd type="triangle" w="med" len="med"/>
-                </a:ln>
-              </p:spPr>
-            </p:cxnSp>
-            <p:cxnSp>
-              <p:nvCxnSpPr>
-                <p:cNvPr id="166" name="Google Shape;166;p16"/>
-                <p:cNvCxnSpPr>
-                  <a:stCxn id="137" idx="6"/>
-                  <a:endCxn id="147" idx="2"/>
-                </p:cNvCxnSpPr>
-                <p:nvPr/>
-              </p:nvCxnSpPr>
-              <p:spPr>
-                <a:xfrm>
-                  <a:off x="1900125" y="1754250"/>
-                  <a:ext cx="1622100" cy="1035600"/>
-                </a:xfrm>
-                <a:prstGeom prst="straightConnector1">
-                  <a:avLst/>
-                </a:prstGeom>
-                <a:noFill/>
-                <a:ln w="19050" cap="flat" cmpd="sng">
-                  <a:solidFill>
-                    <a:srgbClr val="CCCCCC"/>
-                  </a:solidFill>
-                  <a:prstDash val="solid"/>
-                  <a:round/>
-                  <a:headEnd type="none" w="med" len="med"/>
-                  <a:tailEnd type="triangle" w="med" len="med"/>
-                </a:ln>
-              </p:spPr>
-            </p:cxnSp>
-            <p:cxnSp>
-              <p:nvCxnSpPr>
-                <p:cNvPr id="167" name="Google Shape;167;p16"/>
-                <p:cNvCxnSpPr>
-                  <a:stCxn id="142" idx="2"/>
-                  <a:endCxn id="153" idx="2"/>
-                </p:cNvCxnSpPr>
-                <p:nvPr/>
-              </p:nvCxnSpPr>
-              <p:spPr>
-                <a:xfrm>
-                  <a:off x="4122675" y="1303596"/>
-                  <a:ext cx="1550700" cy="1169100"/>
-                </a:xfrm>
-                <a:prstGeom prst="straightConnector1">
-                  <a:avLst/>
-                </a:prstGeom>
-                <a:noFill/>
-                <a:ln w="19050" cap="flat" cmpd="sng">
-                  <a:solidFill>
-                    <a:srgbClr val="CCCCCC"/>
-                  </a:solidFill>
-                  <a:prstDash val="solid"/>
-                  <a:round/>
-                  <a:headEnd type="none" w="med" len="med"/>
-                  <a:tailEnd type="triangle" w="med" len="med"/>
-                </a:ln>
-              </p:spPr>
-            </p:cxnSp>
-            <p:cxnSp>
-              <p:nvCxnSpPr>
-                <p:cNvPr id="168" name="Google Shape;168;p16"/>
-                <p:cNvCxnSpPr>
-                  <a:stCxn id="145" idx="2"/>
-                  <a:endCxn id="153" idx="2"/>
-                </p:cNvCxnSpPr>
-                <p:nvPr/>
-              </p:nvCxnSpPr>
-              <p:spPr>
-                <a:xfrm>
-                  <a:off x="4122675" y="2046721"/>
-                  <a:ext cx="1550700" cy="426000"/>
-                </a:xfrm>
-                <a:prstGeom prst="straightConnector1">
-                  <a:avLst/>
-                </a:prstGeom>
-                <a:noFill/>
-                <a:ln w="19050" cap="flat" cmpd="sng">
-                  <a:solidFill>
-                    <a:srgbClr val="CCCCCC"/>
-                  </a:solidFill>
-                  <a:prstDash val="solid"/>
-                  <a:round/>
-                  <a:headEnd type="none" w="med" len="med"/>
-                  <a:tailEnd type="triangle" w="med" len="med"/>
-                </a:ln>
-              </p:spPr>
-            </p:cxnSp>
-            <p:cxnSp>
-              <p:nvCxnSpPr>
-                <p:cNvPr id="169" name="Google Shape;169;p16"/>
-                <p:cNvCxnSpPr>
-                  <a:stCxn id="148" idx="2"/>
-                  <a:endCxn id="153" idx="2"/>
-                </p:cNvCxnSpPr>
-                <p:nvPr/>
-              </p:nvCxnSpPr>
-              <p:spPr>
-                <a:xfrm rot="10800000" flipH="1">
-                  <a:off x="4122675" y="2472746"/>
-                  <a:ext cx="1550700" cy="317100"/>
-                </a:xfrm>
-                <a:prstGeom prst="straightConnector1">
-                  <a:avLst/>
-                </a:prstGeom>
-                <a:noFill/>
-                <a:ln w="19050" cap="flat" cmpd="sng">
-                  <a:solidFill>
-                    <a:srgbClr val="CCCCCC"/>
-                  </a:solidFill>
-                  <a:prstDash val="solid"/>
-                  <a:round/>
-                  <a:headEnd type="none" w="med" len="med"/>
-                  <a:tailEnd type="triangle" w="med" len="med"/>
-                </a:ln>
-              </p:spPr>
-            </p:cxnSp>
-            <p:cxnSp>
-              <p:nvCxnSpPr>
-                <p:cNvPr id="170" name="Google Shape;170;p16"/>
-                <p:cNvCxnSpPr>
-                  <a:stCxn id="151" idx="2"/>
-                  <a:endCxn id="153" idx="2"/>
-                </p:cNvCxnSpPr>
-                <p:nvPr/>
-              </p:nvCxnSpPr>
-              <p:spPr>
-                <a:xfrm rot="10800000" flipH="1">
-                  <a:off x="4122675" y="2472771"/>
-                  <a:ext cx="1550700" cy="1060200"/>
-                </a:xfrm>
-                <a:prstGeom prst="straightConnector1">
-                  <a:avLst/>
-                </a:prstGeom>
-                <a:noFill/>
-                <a:ln w="19050" cap="flat" cmpd="sng">
-                  <a:solidFill>
-                    <a:srgbClr val="CCCCCC"/>
-                  </a:solidFill>
-                  <a:prstDash val="solid"/>
-                  <a:round/>
-                  <a:headEnd type="none" w="med" len="med"/>
-                  <a:tailEnd type="triangle" w="med" len="med"/>
-                </a:ln>
-              </p:spPr>
-            </p:cxnSp>
           </p:grpSp>
           <p:grpSp>
             <p:nvGrpSpPr>
-              <p:cNvPr id="45" name="Group 44">
-                <a:extLst>
-                  <a:ext uri="{FF2B5EF4-FFF2-40B4-BE49-F238E27FC236}">
-                    <a16:creationId xmlns:a16="http://schemas.microsoft.com/office/drawing/2014/main" id="{C6AFD8BA-4F0E-A34B-8CCB-A0A206C2B5EC}"/>
-                  </a:ext>
-                </a:extLst>
-              </p:cNvPr>
+              <p:cNvPr id="146" name="Google Shape;146;p16"/>
               <p:cNvGrpSpPr/>
               <p:nvPr/>
             </p:nvGrpSpPr>
             <p:grpSpPr>
               <a:xfrm>
-                <a:off x="4507993" y="1694382"/>
-                <a:ext cx="442118" cy="2478025"/>
-                <a:chOff x="4507993" y="1694382"/>
-                <a:chExt cx="442118" cy="2478025"/>
+                <a:off x="3522106" y="2489557"/>
+                <a:ext cx="600569" cy="600579"/>
+                <a:chOff x="4861200" y="959925"/>
+                <a:chExt cx="689200" cy="688500"/>
               </a:xfrm>
             </p:grpSpPr>
             <p:sp>
               <p:nvSpPr>
-                <p:cNvPr id="46" name="TextBox 45">
-                  <a:extLst>
-                    <a:ext uri="{FF2B5EF4-FFF2-40B4-BE49-F238E27FC236}">
-                      <a16:creationId xmlns:a16="http://schemas.microsoft.com/office/drawing/2014/main" id="{CF8C4778-1239-8049-86C7-5D40276746D8}"/>
-                    </a:ext>
-                  </a:extLst>
-                </p:cNvPr>
-                <p:cNvSpPr txBox="1"/>
+                <p:cNvPr id="147" name="Google Shape;147;p16"/>
+                <p:cNvSpPr/>
                 <p:nvPr/>
               </p:nvSpPr>
               <p:spPr>
                 <a:xfrm>
-                  <a:off x="4507993" y="1694382"/>
-                  <a:ext cx="429767" cy="223091"/>
+                  <a:off x="4861200" y="959925"/>
+                  <a:ext cx="689100" cy="688500"/>
                 </a:xfrm>
-                <a:prstGeom prst="rect">
-                  <a:avLst/>
+                <a:prstGeom prst="pie">
+                  <a:avLst>
+                    <a:gd name="adj1" fmla="val 5396744"/>
+                    <a:gd name="adj2" fmla="val 16200000"/>
+                  </a:avLst>
                 </a:prstGeom>
-                <a:noFill/>
+                <a:solidFill>
+                  <a:srgbClr val="A2C4C9"/>
+                </a:solidFill>
+                <a:ln>
+                  <a:noFill/>
+                </a:ln>
               </p:spPr>
               <p:txBody>
-                <a:bodyPr wrap="square" rtlCol="0">
-                  <a:spAutoFit/>
+                <a:bodyPr spcFirstLastPara="1" wrap="square" lIns="121900" tIns="121900" rIns="121900" bIns="121900" anchor="ctr" anchorCtr="0">
+                  <a:noAutofit/>
                 </a:bodyPr>
                 <a:lstStyle/>
                 <a:p>
-                  <a:pPr algn="ctr"/>
-                  <a:r>
-                    <a:rPr lang="en-DE" sz="1333" b="1" dirty="0">
-                      <a:solidFill>
-                        <a:schemeClr val="bg2"/>
-                      </a:solidFill>
-                    </a:rPr>
-                    <a:t>0.05</a:t>
-                  </a:r>
+                  <a:endParaRPr sz="2400"/>
                 </a:p>
               </p:txBody>
             </p:sp>
             <p:sp>
               <p:nvSpPr>
-                <p:cNvPr id="47" name="TextBox 46">
-                  <a:extLst>
-                    <a:ext uri="{FF2B5EF4-FFF2-40B4-BE49-F238E27FC236}">
-                      <a16:creationId xmlns:a16="http://schemas.microsoft.com/office/drawing/2014/main" id="{794ED612-4084-854B-8A84-4722C503B0C1}"/>
-                    </a:ext>
-                  </a:extLst>
-                </p:cNvPr>
-                <p:cNvSpPr txBox="1"/>
+                <p:cNvPr id="148" name="Google Shape;148;p16"/>
+                <p:cNvSpPr/>
+                <p:nvPr/>
+              </p:nvSpPr>
+              <p:spPr>
+                <a:xfrm rot="10800000">
+                  <a:off x="4861300" y="959925"/>
+                  <a:ext cx="689100" cy="688500"/>
+                </a:xfrm>
+                <a:prstGeom prst="pie">
+                  <a:avLst>
+                    <a:gd name="adj1" fmla="val 5396744"/>
+                    <a:gd name="adj2" fmla="val 16200000"/>
+                  </a:avLst>
+                </a:prstGeom>
+                <a:solidFill>
+                  <a:srgbClr val="45818E"/>
+                </a:solidFill>
+                <a:ln>
+                  <a:noFill/>
+                </a:ln>
+              </p:spPr>
+              <p:txBody>
+                <a:bodyPr spcFirstLastPara="1" wrap="square" lIns="121900" tIns="121900" rIns="121900" bIns="121900" anchor="ctr" anchorCtr="0">
+                  <a:noAutofit/>
+                </a:bodyPr>
+                <a:lstStyle/>
+                <a:p>
+                  <a:endParaRPr sz="2400"/>
+                </a:p>
+              </p:txBody>
+            </p:sp>
+          </p:grpSp>
+          <p:grpSp>
+            <p:nvGrpSpPr>
+              <p:cNvPr id="149" name="Google Shape;149;p16"/>
+              <p:cNvGrpSpPr/>
+              <p:nvPr/>
+            </p:nvGrpSpPr>
+            <p:grpSpPr>
+              <a:xfrm>
+                <a:off x="3522106" y="3232682"/>
+                <a:ext cx="600569" cy="600579"/>
+                <a:chOff x="4861200" y="959925"/>
+                <a:chExt cx="689200" cy="688500"/>
+              </a:xfrm>
+            </p:grpSpPr>
+            <p:sp>
+              <p:nvSpPr>
+                <p:cNvPr id="150" name="Google Shape;150;p16"/>
+                <p:cNvSpPr/>
                 <p:nvPr/>
               </p:nvSpPr>
               <p:spPr>
                 <a:xfrm>
-                  <a:off x="4514652" y="3230194"/>
-                  <a:ext cx="428769" cy="223091"/>
+                  <a:off x="4861200" y="959925"/>
+                  <a:ext cx="689100" cy="688500"/>
                 </a:xfrm>
-                <a:prstGeom prst="rect">
-                  <a:avLst/>
+                <a:prstGeom prst="pie">
+                  <a:avLst>
+                    <a:gd name="adj1" fmla="val 5396744"/>
+                    <a:gd name="adj2" fmla="val 16200000"/>
+                  </a:avLst>
                 </a:prstGeom>
-                <a:noFill/>
+                <a:solidFill>
+                  <a:srgbClr val="A2C4C9"/>
+                </a:solidFill>
+                <a:ln>
+                  <a:noFill/>
+                </a:ln>
               </p:spPr>
               <p:txBody>
-                <a:bodyPr wrap="square" rtlCol="0">
-                  <a:spAutoFit/>
+                <a:bodyPr spcFirstLastPara="1" wrap="square" lIns="121900" tIns="121900" rIns="121900" bIns="121900" anchor="ctr" anchorCtr="0">
+                  <a:noAutofit/>
                 </a:bodyPr>
                 <a:lstStyle/>
                 <a:p>
-                  <a:pPr algn="ctr"/>
-                  <a:r>
-                    <a:rPr lang="en-DE" sz="1333" b="1" dirty="0">
-                      <a:solidFill>
-                        <a:schemeClr val="bg2"/>
-                      </a:solidFill>
-                    </a:rPr>
-                    <a:t>0.50</a:t>
-                  </a:r>
+                  <a:endParaRPr sz="2400"/>
                 </a:p>
               </p:txBody>
             </p:sp>
             <p:sp>
               <p:nvSpPr>
-                <p:cNvPr id="48" name="TextBox 47">
-                  <a:extLst>
-                    <a:ext uri="{FF2B5EF4-FFF2-40B4-BE49-F238E27FC236}">
-                      <a16:creationId xmlns:a16="http://schemas.microsoft.com/office/drawing/2014/main" id="{B2D2E7BF-1724-0847-8605-49FB2E085C89}"/>
-                    </a:ext>
-                  </a:extLst>
-                </p:cNvPr>
-                <p:cNvSpPr txBox="1"/>
+                <p:cNvPr id="151" name="Google Shape;151;p16"/>
+                <p:cNvSpPr/>
+                <p:nvPr/>
+              </p:nvSpPr>
+              <p:spPr>
+                <a:xfrm rot="10800000">
+                  <a:off x="4861300" y="959925"/>
+                  <a:ext cx="689100" cy="688500"/>
+                </a:xfrm>
+                <a:prstGeom prst="pie">
+                  <a:avLst>
+                    <a:gd name="adj1" fmla="val 5396744"/>
+                    <a:gd name="adj2" fmla="val 16200000"/>
+                  </a:avLst>
+                </a:prstGeom>
+                <a:solidFill>
+                  <a:srgbClr val="45818E"/>
+                </a:solidFill>
+                <a:ln>
+                  <a:noFill/>
+                </a:ln>
+              </p:spPr>
+              <p:txBody>
+                <a:bodyPr spcFirstLastPara="1" wrap="square" lIns="121900" tIns="121900" rIns="121900" bIns="121900" anchor="ctr" anchorCtr="0">
+                  <a:noAutofit/>
+                </a:bodyPr>
+                <a:lstStyle/>
+                <a:p>
+                  <a:endParaRPr sz="2400"/>
+                </a:p>
+              </p:txBody>
+            </p:sp>
+          </p:grpSp>
+          <p:grpSp>
+            <p:nvGrpSpPr>
+              <p:cNvPr id="152" name="Google Shape;152;p16"/>
+              <p:cNvGrpSpPr/>
+              <p:nvPr/>
+            </p:nvGrpSpPr>
+            <p:grpSpPr>
+              <a:xfrm>
+                <a:off x="5673456" y="2172469"/>
+                <a:ext cx="600569" cy="600579"/>
+                <a:chOff x="4861200" y="959925"/>
+                <a:chExt cx="689200" cy="688500"/>
+              </a:xfrm>
+            </p:grpSpPr>
+            <p:sp>
+              <p:nvSpPr>
+                <p:cNvPr id="153" name="Google Shape;153;p16"/>
+                <p:cNvSpPr/>
                 <p:nvPr/>
               </p:nvSpPr>
               <p:spPr>
                 <a:xfrm>
-                  <a:off x="4507993" y="2479101"/>
-                  <a:ext cx="431990" cy="223091"/>
+                  <a:off x="4861200" y="959925"/>
+                  <a:ext cx="689100" cy="688500"/>
                 </a:xfrm>
-                <a:prstGeom prst="rect">
-                  <a:avLst/>
+                <a:prstGeom prst="pie">
+                  <a:avLst>
+                    <a:gd name="adj1" fmla="val 5396744"/>
+                    <a:gd name="adj2" fmla="val 16200000"/>
+                  </a:avLst>
                 </a:prstGeom>
-                <a:noFill/>
+                <a:solidFill>
+                  <a:srgbClr val="B6D7A8"/>
+                </a:solidFill>
+                <a:ln>
+                  <a:noFill/>
+                </a:ln>
               </p:spPr>
               <p:txBody>
-                <a:bodyPr wrap="square" rtlCol="0">
-                  <a:spAutoFit/>
+                <a:bodyPr spcFirstLastPara="1" wrap="square" lIns="121900" tIns="121900" rIns="121900" bIns="121900" anchor="ctr" anchorCtr="0">
+                  <a:noAutofit/>
                 </a:bodyPr>
                 <a:lstStyle/>
                 <a:p>
-                  <a:pPr algn="ctr"/>
-                  <a:r>
-                    <a:rPr lang="en-DE" sz="1333" b="1" dirty="0">
-                      <a:solidFill>
-                        <a:schemeClr val="bg2"/>
-                      </a:solidFill>
-                    </a:rPr>
-                    <a:t>0.88</a:t>
-                  </a:r>
+                  <a:endParaRPr sz="2400"/>
                 </a:p>
               </p:txBody>
             </p:sp>
             <p:sp>
               <p:nvSpPr>
-                <p:cNvPr id="49" name="TextBox 48">
-                  <a:extLst>
-                    <a:ext uri="{FF2B5EF4-FFF2-40B4-BE49-F238E27FC236}">
-                      <a16:creationId xmlns:a16="http://schemas.microsoft.com/office/drawing/2014/main" id="{76EAB93B-B13D-7446-9A7B-41464CCFAC72}"/>
-                    </a:ext>
-                  </a:extLst>
-                </p:cNvPr>
-                <p:cNvSpPr txBox="1"/>
+                <p:cNvPr id="154" name="Google Shape;154;p16"/>
+                <p:cNvSpPr/>
                 <p:nvPr/>
               </p:nvSpPr>
               <p:spPr>
-                <a:xfrm>
-                  <a:off x="4514652" y="3949316"/>
-                  <a:ext cx="435459" cy="223091"/>
+                <a:xfrm rot="10800000">
+                  <a:off x="4861300" y="959925"/>
+                  <a:ext cx="689100" cy="688500"/>
                 </a:xfrm>
-                <a:prstGeom prst="rect">
-                  <a:avLst/>
+                <a:prstGeom prst="pie">
+                  <a:avLst>
+                    <a:gd name="adj1" fmla="val 5396744"/>
+                    <a:gd name="adj2" fmla="val 16200000"/>
+                  </a:avLst>
                 </a:prstGeom>
-                <a:noFill/>
+                <a:solidFill>
+                  <a:srgbClr val="6AA84F"/>
+                </a:solidFill>
+                <a:ln>
+                  <a:noFill/>
+                </a:ln>
               </p:spPr>
               <p:txBody>
-                <a:bodyPr wrap="square" rtlCol="0">
-                  <a:spAutoFit/>
+                <a:bodyPr spcFirstLastPara="1" wrap="square" lIns="121900" tIns="121900" rIns="121900" bIns="121900" anchor="ctr" anchorCtr="0">
+                  <a:noAutofit/>
                 </a:bodyPr>
                 <a:lstStyle/>
                 <a:p>
-                  <a:pPr algn="ctr"/>
-                  <a:r>
-                    <a:rPr lang="en-DE" sz="1333" b="1" dirty="0">
-                      <a:solidFill>
-                        <a:schemeClr val="bg2"/>
-                      </a:solidFill>
-                    </a:rPr>
-                    <a:t>0.99</a:t>
-                  </a:r>
+                  <a:endParaRPr sz="2400"/>
                 </a:p>
               </p:txBody>
             </p:sp>
           </p:grpSp>
+          <p:cxnSp>
+            <p:nvCxnSpPr>
+              <p:cNvPr id="155" name="Google Shape;155;p16"/>
+              <p:cNvCxnSpPr>
+                <a:stCxn id="137" idx="6"/>
+                <a:endCxn id="141" idx="2"/>
+              </p:cNvCxnSpPr>
+              <p:nvPr/>
+            </p:nvCxnSpPr>
+            <p:spPr>
+              <a:xfrm rot="10800000" flipH="1">
+                <a:off x="1900125" y="1303650"/>
+                <a:ext cx="1622100" cy="450600"/>
+              </a:xfrm>
+              <a:prstGeom prst="straightConnector1">
+                <a:avLst/>
+              </a:prstGeom>
+              <a:noFill/>
+              <a:ln w="19050" cap="flat" cmpd="sng">
+                <a:solidFill>
+                  <a:srgbClr val="CCCCCC"/>
+                </a:solidFill>
+                <a:prstDash val="solid"/>
+                <a:round/>
+                <a:headEnd type="none" w="med" len="med"/>
+                <a:tailEnd type="triangle" w="med" len="med"/>
+              </a:ln>
+            </p:spPr>
+          </p:cxnSp>
+          <p:cxnSp>
+            <p:nvCxnSpPr>
+              <p:cNvPr id="156" name="Google Shape;156;p16"/>
+              <p:cNvCxnSpPr>
+                <a:stCxn id="137" idx="6"/>
+                <a:endCxn id="144" idx="2"/>
+              </p:cNvCxnSpPr>
+              <p:nvPr/>
+            </p:nvCxnSpPr>
+            <p:spPr>
+              <a:xfrm>
+                <a:off x="1900125" y="1754250"/>
+                <a:ext cx="1622100" cy="292500"/>
+              </a:xfrm>
+              <a:prstGeom prst="straightConnector1">
+                <a:avLst/>
+              </a:prstGeom>
+              <a:noFill/>
+              <a:ln w="19050" cap="flat" cmpd="sng">
+                <a:solidFill>
+                  <a:srgbClr val="CCCCCC"/>
+                </a:solidFill>
+                <a:prstDash val="solid"/>
+                <a:round/>
+                <a:headEnd type="none" w="med" len="med"/>
+                <a:tailEnd type="triangle" w="med" len="med"/>
+              </a:ln>
+            </p:spPr>
+          </p:cxnSp>
+          <p:cxnSp>
+            <p:nvCxnSpPr>
+              <p:cNvPr id="157" name="Google Shape;157;p16"/>
+              <p:cNvCxnSpPr>
+                <a:stCxn id="138" idx="6"/>
+                <a:endCxn id="141" idx="2"/>
+              </p:cNvCxnSpPr>
+              <p:nvPr/>
+            </p:nvCxnSpPr>
+            <p:spPr>
+              <a:xfrm rot="10800000" flipH="1">
+                <a:off x="1900125" y="1303650"/>
+                <a:ext cx="1622100" cy="1169100"/>
+              </a:xfrm>
+              <a:prstGeom prst="straightConnector1">
+                <a:avLst/>
+              </a:prstGeom>
+              <a:noFill/>
+              <a:ln w="19050" cap="flat" cmpd="sng">
+                <a:solidFill>
+                  <a:srgbClr val="CCCCCC"/>
+                </a:solidFill>
+                <a:prstDash val="solid"/>
+                <a:round/>
+                <a:headEnd type="none" w="med" len="med"/>
+                <a:tailEnd type="triangle" w="med" len="med"/>
+              </a:ln>
+            </p:spPr>
+          </p:cxnSp>
+          <p:cxnSp>
+            <p:nvCxnSpPr>
+              <p:cNvPr id="158" name="Google Shape;158;p16"/>
+              <p:cNvCxnSpPr>
+                <a:stCxn id="137" idx="6"/>
+                <a:endCxn id="150" idx="2"/>
+              </p:cNvCxnSpPr>
+              <p:nvPr/>
+            </p:nvCxnSpPr>
+            <p:spPr>
+              <a:xfrm>
+                <a:off x="1900125" y="1754250"/>
+                <a:ext cx="1622100" cy="1778700"/>
+              </a:xfrm>
+              <a:prstGeom prst="straightConnector1">
+                <a:avLst/>
+              </a:prstGeom>
+              <a:noFill/>
+              <a:ln w="19050" cap="flat" cmpd="sng">
+                <a:solidFill>
+                  <a:srgbClr val="CCCCCC"/>
+                </a:solidFill>
+                <a:prstDash val="solid"/>
+                <a:round/>
+                <a:headEnd type="none" w="med" len="med"/>
+                <a:tailEnd type="triangle" w="med" len="med"/>
+              </a:ln>
+            </p:spPr>
+          </p:cxnSp>
+          <p:cxnSp>
+            <p:nvCxnSpPr>
+              <p:cNvPr id="159" name="Google Shape;159;p16"/>
+              <p:cNvCxnSpPr>
+                <a:stCxn id="138" idx="6"/>
+                <a:endCxn id="144" idx="2"/>
+              </p:cNvCxnSpPr>
+              <p:nvPr/>
+            </p:nvCxnSpPr>
+            <p:spPr>
+              <a:xfrm rot="10800000" flipH="1">
+                <a:off x="1900125" y="2046750"/>
+                <a:ext cx="1622100" cy="426000"/>
+              </a:xfrm>
+              <a:prstGeom prst="straightConnector1">
+                <a:avLst/>
+              </a:prstGeom>
+              <a:noFill/>
+              <a:ln w="19050" cap="flat" cmpd="sng">
+                <a:solidFill>
+                  <a:srgbClr val="CCCCCC"/>
+                </a:solidFill>
+                <a:prstDash val="solid"/>
+                <a:round/>
+                <a:headEnd type="none" w="med" len="med"/>
+                <a:tailEnd type="triangle" w="med" len="med"/>
+              </a:ln>
+            </p:spPr>
+          </p:cxnSp>
+          <p:cxnSp>
+            <p:nvCxnSpPr>
+              <p:cNvPr id="160" name="Google Shape;160;p16"/>
+              <p:cNvCxnSpPr>
+                <a:stCxn id="138" idx="6"/>
+                <a:endCxn id="150" idx="2"/>
+              </p:cNvCxnSpPr>
+              <p:nvPr/>
+            </p:nvCxnSpPr>
+            <p:spPr>
+              <a:xfrm>
+                <a:off x="1900125" y="2472750"/>
+                <a:ext cx="1622100" cy="1060200"/>
+              </a:xfrm>
+              <a:prstGeom prst="straightConnector1">
+                <a:avLst/>
+              </a:prstGeom>
+              <a:noFill/>
+              <a:ln w="19050" cap="flat" cmpd="sng">
+                <a:solidFill>
+                  <a:srgbClr val="CCCCCC"/>
+                </a:solidFill>
+                <a:prstDash val="solid"/>
+                <a:round/>
+                <a:headEnd type="none" w="med" len="med"/>
+                <a:tailEnd type="triangle" w="med" len="med"/>
+              </a:ln>
+            </p:spPr>
+          </p:cxnSp>
+          <p:cxnSp>
+            <p:nvCxnSpPr>
+              <p:cNvPr id="161" name="Google Shape;161;p16"/>
+              <p:cNvCxnSpPr>
+                <a:stCxn id="139" idx="6"/>
+                <a:endCxn id="141" idx="2"/>
+              </p:cNvCxnSpPr>
+              <p:nvPr/>
+            </p:nvCxnSpPr>
+            <p:spPr>
+              <a:xfrm rot="10800000" flipH="1">
+                <a:off x="1900125" y="1303650"/>
+                <a:ext cx="1622100" cy="1887600"/>
+              </a:xfrm>
+              <a:prstGeom prst="straightConnector1">
+                <a:avLst/>
+              </a:prstGeom>
+              <a:noFill/>
+              <a:ln w="19050" cap="flat" cmpd="sng">
+                <a:solidFill>
+                  <a:srgbClr val="CCCCCC"/>
+                </a:solidFill>
+                <a:prstDash val="solid"/>
+                <a:round/>
+                <a:headEnd type="none" w="med" len="med"/>
+                <a:tailEnd type="triangle" w="med" len="med"/>
+              </a:ln>
+            </p:spPr>
+          </p:cxnSp>
+          <p:cxnSp>
+            <p:nvCxnSpPr>
+              <p:cNvPr id="162" name="Google Shape;162;p16"/>
+              <p:cNvCxnSpPr>
+                <a:stCxn id="139" idx="6"/>
+                <a:endCxn id="144" idx="2"/>
+              </p:cNvCxnSpPr>
+              <p:nvPr/>
+            </p:nvCxnSpPr>
+            <p:spPr>
+              <a:xfrm rot="10800000" flipH="1">
+                <a:off x="1900125" y="2046750"/>
+                <a:ext cx="1622100" cy="1144500"/>
+              </a:xfrm>
+              <a:prstGeom prst="straightConnector1">
+                <a:avLst/>
+              </a:prstGeom>
+              <a:noFill/>
+              <a:ln w="19050" cap="flat" cmpd="sng">
+                <a:solidFill>
+                  <a:srgbClr val="CCCCCC"/>
+                </a:solidFill>
+                <a:prstDash val="solid"/>
+                <a:round/>
+                <a:headEnd type="none" w="med" len="med"/>
+                <a:tailEnd type="triangle" w="med" len="med"/>
+              </a:ln>
+            </p:spPr>
+          </p:cxnSp>
+          <p:cxnSp>
+            <p:nvCxnSpPr>
+              <p:cNvPr id="163" name="Google Shape;163;p16"/>
+              <p:cNvCxnSpPr>
+                <a:stCxn id="139" idx="6"/>
+                <a:endCxn id="150" idx="2"/>
+              </p:cNvCxnSpPr>
+              <p:nvPr/>
+            </p:nvCxnSpPr>
+            <p:spPr>
+              <a:xfrm>
+                <a:off x="1900125" y="3191250"/>
+                <a:ext cx="1622100" cy="341700"/>
+              </a:xfrm>
+              <a:prstGeom prst="straightConnector1">
+                <a:avLst/>
+              </a:prstGeom>
+              <a:noFill/>
+              <a:ln w="19050" cap="flat" cmpd="sng">
+                <a:solidFill>
+                  <a:srgbClr val="CCCCCC"/>
+                </a:solidFill>
+                <a:prstDash val="solid"/>
+                <a:round/>
+                <a:headEnd type="none" w="med" len="med"/>
+                <a:tailEnd type="triangle" w="med" len="med"/>
+              </a:ln>
+            </p:spPr>
+          </p:cxnSp>
+          <p:cxnSp>
+            <p:nvCxnSpPr>
+              <p:cNvPr id="164" name="Google Shape;164;p16"/>
+              <p:cNvCxnSpPr>
+                <a:stCxn id="139" idx="6"/>
+                <a:endCxn id="147" idx="2"/>
+              </p:cNvCxnSpPr>
+              <p:nvPr/>
+            </p:nvCxnSpPr>
+            <p:spPr>
+              <a:xfrm rot="10800000" flipH="1">
+                <a:off x="1900125" y="2789850"/>
+                <a:ext cx="1622100" cy="401400"/>
+              </a:xfrm>
+              <a:prstGeom prst="straightConnector1">
+                <a:avLst/>
+              </a:prstGeom>
+              <a:noFill/>
+              <a:ln w="19050" cap="flat" cmpd="sng">
+                <a:solidFill>
+                  <a:srgbClr val="CCCCCC"/>
+                </a:solidFill>
+                <a:prstDash val="solid"/>
+                <a:round/>
+                <a:headEnd type="none" w="med" len="med"/>
+                <a:tailEnd type="triangle" w="med" len="med"/>
+              </a:ln>
+            </p:spPr>
+          </p:cxnSp>
+          <p:cxnSp>
+            <p:nvCxnSpPr>
+              <p:cNvPr id="165" name="Google Shape;165;p16"/>
+              <p:cNvCxnSpPr>
+                <a:stCxn id="138" idx="6"/>
+                <a:endCxn id="147" idx="2"/>
+              </p:cNvCxnSpPr>
+              <p:nvPr/>
+            </p:nvCxnSpPr>
+            <p:spPr>
+              <a:xfrm>
+                <a:off x="1900125" y="2472750"/>
+                <a:ext cx="1622100" cy="317100"/>
+              </a:xfrm>
+              <a:prstGeom prst="straightConnector1">
+                <a:avLst/>
+              </a:prstGeom>
+              <a:noFill/>
+              <a:ln w="19050" cap="flat" cmpd="sng">
+                <a:solidFill>
+                  <a:srgbClr val="CCCCCC"/>
+                </a:solidFill>
+                <a:prstDash val="solid"/>
+                <a:round/>
+                <a:headEnd type="none" w="med" len="med"/>
+                <a:tailEnd type="triangle" w="med" len="med"/>
+              </a:ln>
+            </p:spPr>
+          </p:cxnSp>
+          <p:cxnSp>
+            <p:nvCxnSpPr>
+              <p:cNvPr id="166" name="Google Shape;166;p16"/>
+              <p:cNvCxnSpPr>
+                <a:stCxn id="137" idx="6"/>
+                <a:endCxn id="147" idx="2"/>
+              </p:cNvCxnSpPr>
+              <p:nvPr/>
+            </p:nvCxnSpPr>
+            <p:spPr>
+              <a:xfrm>
+                <a:off x="1900125" y="1754250"/>
+                <a:ext cx="1622100" cy="1035600"/>
+              </a:xfrm>
+              <a:prstGeom prst="straightConnector1">
+                <a:avLst/>
+              </a:prstGeom>
+              <a:noFill/>
+              <a:ln w="19050" cap="flat" cmpd="sng">
+                <a:solidFill>
+                  <a:srgbClr val="CCCCCC"/>
+                </a:solidFill>
+                <a:prstDash val="solid"/>
+                <a:round/>
+                <a:headEnd type="none" w="med" len="med"/>
+                <a:tailEnd type="triangle" w="med" len="med"/>
+              </a:ln>
+            </p:spPr>
+          </p:cxnSp>
+          <p:cxnSp>
+            <p:nvCxnSpPr>
+              <p:cNvPr id="167" name="Google Shape;167;p16"/>
+              <p:cNvCxnSpPr>
+                <a:stCxn id="142" idx="2"/>
+                <a:endCxn id="153" idx="2"/>
+              </p:cNvCxnSpPr>
+              <p:nvPr/>
+            </p:nvCxnSpPr>
+            <p:spPr>
+              <a:xfrm>
+                <a:off x="4122675" y="1303596"/>
+                <a:ext cx="1550700" cy="1169100"/>
+              </a:xfrm>
+              <a:prstGeom prst="straightConnector1">
+                <a:avLst/>
+              </a:prstGeom>
+              <a:noFill/>
+              <a:ln w="19050" cap="flat" cmpd="sng">
+                <a:solidFill>
+                  <a:srgbClr val="CCCCCC"/>
+                </a:solidFill>
+                <a:prstDash val="solid"/>
+                <a:round/>
+                <a:headEnd type="none" w="med" len="med"/>
+                <a:tailEnd type="triangle" w="med" len="med"/>
+              </a:ln>
+            </p:spPr>
+          </p:cxnSp>
+          <p:cxnSp>
+            <p:nvCxnSpPr>
+              <p:cNvPr id="168" name="Google Shape;168;p16"/>
+              <p:cNvCxnSpPr>
+                <a:stCxn id="145" idx="2"/>
+                <a:endCxn id="153" idx="2"/>
+              </p:cNvCxnSpPr>
+              <p:nvPr/>
+            </p:nvCxnSpPr>
+            <p:spPr>
+              <a:xfrm>
+                <a:off x="4122675" y="2046721"/>
+                <a:ext cx="1550700" cy="426000"/>
+              </a:xfrm>
+              <a:prstGeom prst="straightConnector1">
+                <a:avLst/>
+              </a:prstGeom>
+              <a:noFill/>
+              <a:ln w="19050" cap="flat" cmpd="sng">
+                <a:solidFill>
+                  <a:srgbClr val="CCCCCC"/>
+                </a:solidFill>
+                <a:prstDash val="solid"/>
+                <a:round/>
+                <a:headEnd type="none" w="med" len="med"/>
+                <a:tailEnd type="triangle" w="med" len="med"/>
+              </a:ln>
+            </p:spPr>
+          </p:cxnSp>
+          <p:cxnSp>
+            <p:nvCxnSpPr>
+              <p:cNvPr id="169" name="Google Shape;169;p16"/>
+              <p:cNvCxnSpPr>
+                <a:stCxn id="148" idx="2"/>
+                <a:endCxn id="153" idx="2"/>
+              </p:cNvCxnSpPr>
+              <p:nvPr/>
+            </p:nvCxnSpPr>
+            <p:spPr>
+              <a:xfrm rot="10800000" flipH="1">
+                <a:off x="4122675" y="2472746"/>
+                <a:ext cx="1550700" cy="317100"/>
+              </a:xfrm>
+              <a:prstGeom prst="straightConnector1">
+                <a:avLst/>
+              </a:prstGeom>
+              <a:noFill/>
+              <a:ln w="19050" cap="flat" cmpd="sng">
+                <a:solidFill>
+                  <a:srgbClr val="CCCCCC"/>
+                </a:solidFill>
+                <a:prstDash val="solid"/>
+                <a:round/>
+                <a:headEnd type="none" w="med" len="med"/>
+                <a:tailEnd type="triangle" w="med" len="med"/>
+              </a:ln>
+            </p:spPr>
+          </p:cxnSp>
+          <p:cxnSp>
+            <p:nvCxnSpPr>
+              <p:cNvPr id="170" name="Google Shape;170;p16"/>
+              <p:cNvCxnSpPr>
+                <a:stCxn id="151" idx="2"/>
+                <a:endCxn id="153" idx="2"/>
+              </p:cNvCxnSpPr>
+              <p:nvPr/>
+            </p:nvCxnSpPr>
+            <p:spPr>
+              <a:xfrm rot="10800000" flipH="1">
+                <a:off x="4122675" y="2472771"/>
+                <a:ext cx="1550700" cy="1060200"/>
+              </a:xfrm>
+              <a:prstGeom prst="straightConnector1">
+                <a:avLst/>
+              </a:prstGeom>
+              <a:noFill/>
+              <a:ln w="19050" cap="flat" cmpd="sng">
+                <a:solidFill>
+                  <a:srgbClr val="CCCCCC"/>
+                </a:solidFill>
+                <a:prstDash val="solid"/>
+                <a:round/>
+                <a:headEnd type="none" w="med" len="med"/>
+                <a:tailEnd type="triangle" w="med" len="med"/>
+              </a:ln>
+            </p:spPr>
+          </p:cxnSp>
+        </p:grpSp>
+        <p:grpSp>
+          <p:nvGrpSpPr>
+            <p:cNvPr id="45" name="Group 44">
+              <a:extLst>
+                <a:ext uri="{FF2B5EF4-FFF2-40B4-BE49-F238E27FC236}">
+                  <a16:creationId xmlns:a16="http://schemas.microsoft.com/office/drawing/2014/main" id="{C6AFD8BA-4F0E-A34B-8CCB-A0A206C2B5EC}"/>
+                </a:ext>
+              </a:extLst>
+            </p:cNvPr>
+            <p:cNvGrpSpPr/>
+            <p:nvPr/>
+          </p:nvGrpSpPr>
+          <p:grpSpPr>
+            <a:xfrm>
+              <a:off x="4507993" y="1694382"/>
+              <a:ext cx="442118" cy="2478025"/>
+              <a:chOff x="4507993" y="1694382"/>
+              <a:chExt cx="442118" cy="2478025"/>
+            </a:xfrm>
+          </p:grpSpPr>
           <p:sp>
             <p:nvSpPr>
-              <p:cNvPr id="50" name="TextBox 49">
+              <p:cNvPr id="46" name="TextBox 45">
                 <a:extLst>
                   <a:ext uri="{FF2B5EF4-FFF2-40B4-BE49-F238E27FC236}">
-                    <a16:creationId xmlns:a16="http://schemas.microsoft.com/office/drawing/2014/main" id="{1AACB1BC-2767-5547-A3A3-8292056BAB84}"/>
+                    <a16:creationId xmlns:a16="http://schemas.microsoft.com/office/drawing/2014/main" id="{CF8C4778-1239-8049-86C7-5D40276746D8}"/>
                   </a:ext>
                 </a:extLst>
               </p:cNvPr>
@@ -5392,8 +5216,8 @@
             </p:nvSpPr>
             <p:spPr>
               <a:xfrm>
-                <a:off x="5375029" y="2078008"/>
-                <a:ext cx="347472" cy="253916"/>
+                <a:off x="4507993" y="1694382"/>
+                <a:ext cx="429767" cy="223091"/>
               </a:xfrm>
               <a:prstGeom prst="rect">
                 <a:avLst/>
@@ -5408,25 +5232,22 @@
               <a:p>
                 <a:pPr algn="ctr"/>
                 <a:r>
-                  <a:rPr lang="en-DE" sz="1600" b="1" dirty="0">
+                  <a:rPr lang="en-DE" sz="1333" b="1" dirty="0">
                     <a:solidFill>
-                      <a:schemeClr val="bg2">
-                        <a:lumMod val="60000"/>
-                        <a:lumOff val="40000"/>
-                      </a:schemeClr>
+                      <a:schemeClr val="bg2"/>
                     </a:solidFill>
                   </a:rPr>
-                  <a:t>3</a:t>
+                  <a:t>0.05</a:t>
                 </a:r>
               </a:p>
             </p:txBody>
           </p:sp>
           <p:sp>
             <p:nvSpPr>
-              <p:cNvPr id="51" name="TextBox 50">
+              <p:cNvPr id="47" name="TextBox 46">
                 <a:extLst>
                   <a:ext uri="{FF2B5EF4-FFF2-40B4-BE49-F238E27FC236}">
-                    <a16:creationId xmlns:a16="http://schemas.microsoft.com/office/drawing/2014/main" id="{A1F39DE3-6EE9-9E4B-8A6E-C779ACC1E584}"/>
+                    <a16:creationId xmlns:a16="http://schemas.microsoft.com/office/drawing/2014/main" id="{794ED612-4084-854B-8A84-4722C503B0C1}"/>
                   </a:ext>
                 </a:extLst>
               </p:cNvPr>
@@ -5435,8 +5256,8 @@
             </p:nvSpPr>
             <p:spPr>
               <a:xfrm>
-                <a:off x="5290511" y="2525285"/>
-                <a:ext cx="431990" cy="253916"/>
+                <a:off x="4514652" y="3230194"/>
+                <a:ext cx="428769" cy="223091"/>
               </a:xfrm>
               <a:prstGeom prst="rect">
                 <a:avLst/>
@@ -5451,25 +5272,22 @@
               <a:p>
                 <a:pPr algn="ctr"/>
                 <a:r>
-                  <a:rPr lang="en-DE" sz="1600" b="1" dirty="0">
+                  <a:rPr lang="en-DE" sz="1333" b="1" dirty="0">
                     <a:solidFill>
-                      <a:schemeClr val="bg2">
-                        <a:lumMod val="60000"/>
-                        <a:lumOff val="40000"/>
-                      </a:schemeClr>
+                      <a:schemeClr val="bg2"/>
                     </a:solidFill>
                   </a:rPr>
-                  <a:t>-12</a:t>
+                  <a:t>0.50</a:t>
                 </a:r>
               </a:p>
             </p:txBody>
           </p:sp>
           <p:sp>
             <p:nvSpPr>
-              <p:cNvPr id="52" name="TextBox 51">
+              <p:cNvPr id="48" name="TextBox 47">
                 <a:extLst>
                   <a:ext uri="{FF2B5EF4-FFF2-40B4-BE49-F238E27FC236}">
-                    <a16:creationId xmlns:a16="http://schemas.microsoft.com/office/drawing/2014/main" id="{95D1A626-2487-E242-8288-D7438ADC1523}"/>
+                    <a16:creationId xmlns:a16="http://schemas.microsoft.com/office/drawing/2014/main" id="{B2D2E7BF-1724-0847-8605-49FB2E085C89}"/>
                   </a:ext>
                 </a:extLst>
               </p:cNvPr>
@@ -5478,93 +5296,7 @@
             </p:nvSpPr>
             <p:spPr>
               <a:xfrm>
-                <a:off x="5332770" y="2959632"/>
-                <a:ext cx="347472" cy="253916"/>
-              </a:xfrm>
-              <a:prstGeom prst="rect">
-                <a:avLst/>
-              </a:prstGeom>
-              <a:noFill/>
-            </p:spPr>
-            <p:txBody>
-              <a:bodyPr wrap="square" rtlCol="0">
-                <a:spAutoFit/>
-              </a:bodyPr>
-              <a:lstStyle/>
-              <a:p>
-                <a:pPr algn="ctr"/>
-                <a:r>
-                  <a:rPr lang="en-DE" sz="1600" b="1" dirty="0">
-                    <a:solidFill>
-                      <a:schemeClr val="bg2">
-                        <a:lumMod val="60000"/>
-                        <a:lumOff val="40000"/>
-                      </a:schemeClr>
-                    </a:solidFill>
-                  </a:rPr>
-                  <a:t>8</a:t>
-                </a:r>
-              </a:p>
-            </p:txBody>
-          </p:sp>
-          <p:sp>
-            <p:nvSpPr>
-              <p:cNvPr id="53" name="TextBox 52">
-                <a:extLst>
-                  <a:ext uri="{FF2B5EF4-FFF2-40B4-BE49-F238E27FC236}">
-                    <a16:creationId xmlns:a16="http://schemas.microsoft.com/office/drawing/2014/main" id="{A456560D-33B9-8149-858B-0DBBE6EAF3B7}"/>
-                  </a:ext>
-                </a:extLst>
-              </p:cNvPr>
-              <p:cNvSpPr txBox="1"/>
-              <p:nvPr/>
-            </p:nvSpPr>
-            <p:spPr>
-              <a:xfrm>
-                <a:off x="5332770" y="3409323"/>
-                <a:ext cx="347472" cy="253916"/>
-              </a:xfrm>
-              <a:prstGeom prst="rect">
-                <a:avLst/>
-              </a:prstGeom>
-              <a:noFill/>
-            </p:spPr>
-            <p:txBody>
-              <a:bodyPr wrap="square" rtlCol="0">
-                <a:spAutoFit/>
-              </a:bodyPr>
-              <a:lstStyle/>
-              <a:p>
-                <a:pPr algn="ctr"/>
-                <a:r>
-                  <a:rPr lang="en-DE" sz="1600" b="1" dirty="0">
-                    <a:solidFill>
-                      <a:schemeClr val="bg2">
-                        <a:lumMod val="60000"/>
-                        <a:lumOff val="40000"/>
-                      </a:schemeClr>
-                    </a:solidFill>
-                  </a:rPr>
-                  <a:t>1</a:t>
-                </a:r>
-              </a:p>
-            </p:txBody>
-          </p:sp>
-          <p:sp>
-            <p:nvSpPr>
-              <p:cNvPr id="55" name="TextBox 54">
-                <a:extLst>
-                  <a:ext uri="{FF2B5EF4-FFF2-40B4-BE49-F238E27FC236}">
-                    <a16:creationId xmlns:a16="http://schemas.microsoft.com/office/drawing/2014/main" id="{3F4DF51F-C909-4F4E-B810-40897F295CFD}"/>
-                  </a:ext>
-                </a:extLst>
-              </p:cNvPr>
-              <p:cNvSpPr txBox="1"/>
-              <p:nvPr/>
-            </p:nvSpPr>
-            <p:spPr>
-              <a:xfrm>
-                <a:off x="6364939" y="2885746"/>
+                <a:off x="4507993" y="2479101"/>
                 <a:ext cx="431990" cy="223091"/>
               </a:xfrm>
               <a:prstGeom prst="rect">
@@ -5580,38 +5312,438 @@
               <a:p>
                 <a:pPr algn="ctr"/>
                 <a:r>
-                  <a:rPr lang="en-DE" sz="1333" b="1" dirty="0"/>
-                  <a:t>0.57</a:t>
+                  <a:rPr lang="en-DE" sz="1333" b="1" dirty="0">
+                    <a:solidFill>
+                      <a:schemeClr val="bg2"/>
+                    </a:solidFill>
+                  </a:rPr>
+                  <a:t>0.88</a:t>
                 </a:r>
               </a:p>
             </p:txBody>
           </p:sp>
-          <p:grpSp>
-            <p:nvGrpSpPr>
-              <p:cNvPr id="56" name="Group 55">
+          <p:sp>
+            <p:nvSpPr>
+              <p:cNvPr id="49" name="TextBox 48">
                 <a:extLst>
                   <a:ext uri="{FF2B5EF4-FFF2-40B4-BE49-F238E27FC236}">
-                    <a16:creationId xmlns:a16="http://schemas.microsoft.com/office/drawing/2014/main" id="{A015FBC5-957E-3B41-A84F-AA295193CD92}"/>
+                    <a16:creationId xmlns:a16="http://schemas.microsoft.com/office/drawing/2014/main" id="{76EAB93B-B13D-7446-9A7B-41464CCFAC72}"/>
                   </a:ext>
                 </a:extLst>
               </p:cNvPr>
-              <p:cNvGrpSpPr/>
+              <p:cNvSpPr txBox="1"/>
               <p:nvPr/>
-            </p:nvGrpSpPr>
-            <p:grpSpPr>
+            </p:nvSpPr>
+            <p:spPr>
               <a:xfrm>
-                <a:off x="1920350" y="995560"/>
-                <a:ext cx="5303300" cy="381700"/>
-                <a:chOff x="1920350" y="756844"/>
-                <a:chExt cx="5303300" cy="381700"/>
+                <a:off x="4514652" y="3949316"/>
+                <a:ext cx="435459" cy="223091"/>
               </a:xfrm>
-            </p:grpSpPr>
+              <a:prstGeom prst="rect">
+                <a:avLst/>
+              </a:prstGeom>
+              <a:noFill/>
+            </p:spPr>
+            <p:txBody>
+              <a:bodyPr wrap="square" rtlCol="0">
+                <a:spAutoFit/>
+              </a:bodyPr>
+              <a:lstStyle/>
+              <a:p>
+                <a:pPr algn="ctr"/>
+                <a:r>
+                  <a:rPr lang="en-DE" sz="1333" b="1" dirty="0">
+                    <a:solidFill>
+                      <a:schemeClr val="bg2"/>
+                    </a:solidFill>
+                  </a:rPr>
+                  <a:t>0.99</a:t>
+                </a:r>
+              </a:p>
+            </p:txBody>
+          </p:sp>
+        </p:grpSp>
+        <p:sp>
+          <p:nvSpPr>
+            <p:cNvPr id="50" name="TextBox 49">
+              <a:extLst>
+                <a:ext uri="{FF2B5EF4-FFF2-40B4-BE49-F238E27FC236}">
+                  <a16:creationId xmlns:a16="http://schemas.microsoft.com/office/drawing/2014/main" id="{1AACB1BC-2767-5547-A3A3-8292056BAB84}"/>
+                </a:ext>
+              </a:extLst>
+            </p:cNvPr>
+            <p:cNvSpPr txBox="1"/>
+            <p:nvPr/>
+          </p:nvSpPr>
+          <p:spPr>
+            <a:xfrm>
+              <a:off x="5375029" y="2078008"/>
+              <a:ext cx="347472" cy="253916"/>
+            </a:xfrm>
+            <a:prstGeom prst="rect">
+              <a:avLst/>
+            </a:prstGeom>
+            <a:noFill/>
+          </p:spPr>
+          <p:txBody>
+            <a:bodyPr wrap="square" rtlCol="0">
+              <a:spAutoFit/>
+            </a:bodyPr>
+            <a:lstStyle/>
+            <a:p>
+              <a:pPr algn="ctr"/>
+              <a:r>
+                <a:rPr lang="en-DE" sz="1600" b="1" dirty="0">
+                  <a:solidFill>
+                    <a:schemeClr val="bg2">
+                      <a:lumMod val="60000"/>
+                      <a:lumOff val="40000"/>
+                    </a:schemeClr>
+                  </a:solidFill>
+                </a:rPr>
+                <a:t>3</a:t>
+              </a:r>
+            </a:p>
+          </p:txBody>
+        </p:sp>
+        <p:sp>
+          <p:nvSpPr>
+            <p:cNvPr id="51" name="TextBox 50">
+              <a:extLst>
+                <a:ext uri="{FF2B5EF4-FFF2-40B4-BE49-F238E27FC236}">
+                  <a16:creationId xmlns:a16="http://schemas.microsoft.com/office/drawing/2014/main" id="{A1F39DE3-6EE9-9E4B-8A6E-C779ACC1E584}"/>
+                </a:ext>
+              </a:extLst>
+            </p:cNvPr>
+            <p:cNvSpPr txBox="1"/>
+            <p:nvPr/>
+          </p:nvSpPr>
+          <p:spPr>
+            <a:xfrm>
+              <a:off x="5290511" y="2525285"/>
+              <a:ext cx="431990" cy="253916"/>
+            </a:xfrm>
+            <a:prstGeom prst="rect">
+              <a:avLst/>
+            </a:prstGeom>
+            <a:noFill/>
+          </p:spPr>
+          <p:txBody>
+            <a:bodyPr wrap="square" rtlCol="0">
+              <a:spAutoFit/>
+            </a:bodyPr>
+            <a:lstStyle/>
+            <a:p>
+              <a:pPr algn="ctr"/>
+              <a:r>
+                <a:rPr lang="en-DE" sz="1600" b="1" dirty="0">
+                  <a:solidFill>
+                    <a:schemeClr val="bg2">
+                      <a:lumMod val="60000"/>
+                      <a:lumOff val="40000"/>
+                    </a:schemeClr>
+                  </a:solidFill>
+                </a:rPr>
+                <a:t>-12</a:t>
+              </a:r>
+            </a:p>
+          </p:txBody>
+        </p:sp>
+        <p:sp>
+          <p:nvSpPr>
+            <p:cNvPr id="52" name="TextBox 51">
+              <a:extLst>
+                <a:ext uri="{FF2B5EF4-FFF2-40B4-BE49-F238E27FC236}">
+                  <a16:creationId xmlns:a16="http://schemas.microsoft.com/office/drawing/2014/main" id="{95D1A626-2487-E242-8288-D7438ADC1523}"/>
+                </a:ext>
+              </a:extLst>
+            </p:cNvPr>
+            <p:cNvSpPr txBox="1"/>
+            <p:nvPr/>
+          </p:nvSpPr>
+          <p:spPr>
+            <a:xfrm>
+              <a:off x="5332770" y="2959632"/>
+              <a:ext cx="347472" cy="253916"/>
+            </a:xfrm>
+            <a:prstGeom prst="rect">
+              <a:avLst/>
+            </a:prstGeom>
+            <a:noFill/>
+          </p:spPr>
+          <p:txBody>
+            <a:bodyPr wrap="square" rtlCol="0">
+              <a:spAutoFit/>
+            </a:bodyPr>
+            <a:lstStyle/>
+            <a:p>
+              <a:pPr algn="ctr"/>
+              <a:r>
+                <a:rPr lang="en-DE" sz="1600" b="1" dirty="0">
+                  <a:solidFill>
+                    <a:schemeClr val="bg2">
+                      <a:lumMod val="60000"/>
+                      <a:lumOff val="40000"/>
+                    </a:schemeClr>
+                  </a:solidFill>
+                </a:rPr>
+                <a:t>8</a:t>
+              </a:r>
+            </a:p>
+          </p:txBody>
+        </p:sp>
+        <p:sp>
+          <p:nvSpPr>
+            <p:cNvPr id="53" name="TextBox 52">
+              <a:extLst>
+                <a:ext uri="{FF2B5EF4-FFF2-40B4-BE49-F238E27FC236}">
+                  <a16:creationId xmlns:a16="http://schemas.microsoft.com/office/drawing/2014/main" id="{A456560D-33B9-8149-858B-0DBBE6EAF3B7}"/>
+                </a:ext>
+              </a:extLst>
+            </p:cNvPr>
+            <p:cNvSpPr txBox="1"/>
+            <p:nvPr/>
+          </p:nvSpPr>
+          <p:spPr>
+            <a:xfrm>
+              <a:off x="5332770" y="3409323"/>
+              <a:ext cx="347472" cy="253916"/>
+            </a:xfrm>
+            <a:prstGeom prst="rect">
+              <a:avLst/>
+            </a:prstGeom>
+            <a:noFill/>
+          </p:spPr>
+          <p:txBody>
+            <a:bodyPr wrap="square" rtlCol="0">
+              <a:spAutoFit/>
+            </a:bodyPr>
+            <a:lstStyle/>
+            <a:p>
+              <a:pPr algn="ctr"/>
+              <a:r>
+                <a:rPr lang="en-DE" sz="1600" b="1" dirty="0">
+                  <a:solidFill>
+                    <a:schemeClr val="bg2">
+                      <a:lumMod val="60000"/>
+                      <a:lumOff val="40000"/>
+                    </a:schemeClr>
+                  </a:solidFill>
+                </a:rPr>
+                <a:t>1</a:t>
+              </a:r>
+            </a:p>
+          </p:txBody>
+        </p:sp>
+        <p:sp>
+          <p:nvSpPr>
+            <p:cNvPr id="55" name="TextBox 54">
+              <a:extLst>
+                <a:ext uri="{FF2B5EF4-FFF2-40B4-BE49-F238E27FC236}">
+                  <a16:creationId xmlns:a16="http://schemas.microsoft.com/office/drawing/2014/main" id="{3F4DF51F-C909-4F4E-B810-40897F295CFD}"/>
+                </a:ext>
+              </a:extLst>
+            </p:cNvPr>
+            <p:cNvSpPr txBox="1"/>
+            <p:nvPr/>
+          </p:nvSpPr>
+          <p:spPr>
+            <a:xfrm>
+              <a:off x="6364939" y="2885746"/>
+              <a:ext cx="431990" cy="223091"/>
+            </a:xfrm>
+            <a:prstGeom prst="rect">
+              <a:avLst/>
+            </a:prstGeom>
+            <a:noFill/>
+          </p:spPr>
+          <p:txBody>
+            <a:bodyPr wrap="square" rtlCol="0">
+              <a:spAutoFit/>
+            </a:bodyPr>
+            <a:lstStyle/>
+            <a:p>
+              <a:pPr algn="ctr"/>
+              <a:r>
+                <a:rPr lang="en-DE" sz="1333" b="1" dirty="0"/>
+                <a:t>0.57</a:t>
+              </a:r>
+            </a:p>
+          </p:txBody>
+        </p:sp>
+        <p:grpSp>
+          <p:nvGrpSpPr>
+            <p:cNvPr id="56" name="Group 55">
+              <a:extLst>
+                <a:ext uri="{FF2B5EF4-FFF2-40B4-BE49-F238E27FC236}">
+                  <a16:creationId xmlns:a16="http://schemas.microsoft.com/office/drawing/2014/main" id="{A015FBC5-957E-3B41-A84F-AA295193CD92}"/>
+                </a:ext>
+              </a:extLst>
+            </p:cNvPr>
+            <p:cNvGrpSpPr/>
+            <p:nvPr/>
+          </p:nvGrpSpPr>
+          <p:grpSpPr>
+            <a:xfrm>
+              <a:off x="1920350" y="995560"/>
+              <a:ext cx="5303300" cy="381700"/>
+              <a:chOff x="1920350" y="756844"/>
+              <a:chExt cx="5303300" cy="381700"/>
+            </a:xfrm>
+          </p:grpSpPr>
+          <p:sp>
+            <p:nvSpPr>
+              <p:cNvPr id="57" name="Google Shape;171;p16">
+                <a:extLst>
+                  <a:ext uri="{FF2B5EF4-FFF2-40B4-BE49-F238E27FC236}">
+                    <a16:creationId xmlns:a16="http://schemas.microsoft.com/office/drawing/2014/main" id="{83532AFC-5EE0-2F40-941C-45C9070E496A}"/>
+                  </a:ext>
+                </a:extLst>
+              </p:cNvPr>
+              <p:cNvSpPr txBox="1"/>
+              <p:nvPr/>
+            </p:nvSpPr>
+            <p:spPr>
+              <a:xfrm>
+                <a:off x="1920350" y="781544"/>
+                <a:ext cx="861600" cy="357000"/>
+              </a:xfrm>
+              <a:prstGeom prst="rect">
+                <a:avLst/>
+              </a:prstGeom>
+              <a:noFill/>
+              <a:ln>
+                <a:noFill/>
+              </a:ln>
+            </p:spPr>
+            <p:txBody>
+              <a:bodyPr spcFirstLastPara="1" wrap="square" lIns="121900" tIns="121900" rIns="121900" bIns="121900" anchor="t" anchorCtr="0">
+                <a:noAutofit/>
+              </a:bodyPr>
+              <a:lstStyle/>
+              <a:p>
+                <a:pPr algn="ctr"/>
+                <a:r>
+                  <a:rPr lang="en" sz="2267" b="1" dirty="0">
+                    <a:solidFill>
+                      <a:srgbClr val="ECCC24"/>
+                    </a:solidFill>
+                  </a:rPr>
+                  <a:t>Input</a:t>
+                </a:r>
+                <a:endParaRPr sz="2267" b="1" dirty="0">
+                  <a:solidFill>
+                    <a:srgbClr val="ECCC24"/>
+                  </a:solidFill>
+                </a:endParaRPr>
+              </a:p>
+            </p:txBody>
+          </p:sp>
+          <p:sp>
+            <p:nvSpPr>
+              <p:cNvPr id="58" name="Google Shape;172;p16">
+                <a:extLst>
+                  <a:ext uri="{FF2B5EF4-FFF2-40B4-BE49-F238E27FC236}">
+                    <a16:creationId xmlns:a16="http://schemas.microsoft.com/office/drawing/2014/main" id="{91A916A5-593E-624B-8A6F-5E918CB397BE}"/>
+                  </a:ext>
+                </a:extLst>
+              </p:cNvPr>
+              <p:cNvSpPr txBox="1"/>
+              <p:nvPr/>
+            </p:nvSpPr>
+            <p:spPr>
+              <a:xfrm>
+                <a:off x="4075113" y="756844"/>
+                <a:ext cx="997200" cy="357000"/>
+              </a:xfrm>
+              <a:prstGeom prst="rect">
+                <a:avLst/>
+              </a:prstGeom>
+              <a:noFill/>
+              <a:ln>
+                <a:noFill/>
+              </a:ln>
+            </p:spPr>
+            <p:txBody>
+              <a:bodyPr spcFirstLastPara="1" wrap="square" lIns="121900" tIns="121900" rIns="121900" bIns="121900" anchor="t" anchorCtr="0">
+                <a:noAutofit/>
+              </a:bodyPr>
+              <a:lstStyle/>
+              <a:p>
+                <a:pPr algn="ctr"/>
+                <a:r>
+                  <a:rPr lang="en" sz="2267" b="1" dirty="0">
+                    <a:solidFill>
+                      <a:srgbClr val="45818E"/>
+                    </a:solidFill>
+                  </a:rPr>
+                  <a:t>Hidden</a:t>
+                </a:r>
+                <a:endParaRPr sz="2267" b="1" dirty="0">
+                  <a:solidFill>
+                    <a:srgbClr val="45818E"/>
+                  </a:solidFill>
+                </a:endParaRPr>
+              </a:p>
+            </p:txBody>
+          </p:sp>
+          <p:sp>
+            <p:nvSpPr>
+              <p:cNvPr id="59" name="Google Shape;173;p16">
+                <a:extLst>
+                  <a:ext uri="{FF2B5EF4-FFF2-40B4-BE49-F238E27FC236}">
+                    <a16:creationId xmlns:a16="http://schemas.microsoft.com/office/drawing/2014/main" id="{0FE4F239-DC31-E944-9231-94303EEC317C}"/>
+                  </a:ext>
+                </a:extLst>
+              </p:cNvPr>
+              <p:cNvSpPr txBox="1"/>
+              <p:nvPr/>
+            </p:nvSpPr>
+            <p:spPr>
+              <a:xfrm>
+                <a:off x="6226450" y="781544"/>
+                <a:ext cx="997200" cy="357000"/>
+              </a:xfrm>
+              <a:prstGeom prst="rect">
+                <a:avLst/>
+              </a:prstGeom>
+              <a:noFill/>
+              <a:ln>
+                <a:noFill/>
+              </a:ln>
+            </p:spPr>
+            <p:txBody>
+              <a:bodyPr spcFirstLastPara="1" wrap="square" lIns="121900" tIns="121900" rIns="121900" bIns="121900" anchor="t" anchorCtr="0">
+                <a:noAutofit/>
+              </a:bodyPr>
+              <a:lstStyle/>
+              <a:p>
+                <a:pPr algn="ctr"/>
+                <a:r>
+                  <a:rPr lang="en" sz="2267" b="1">
+                    <a:solidFill>
+                      <a:srgbClr val="6AA84F"/>
+                    </a:solidFill>
+                  </a:rPr>
+                  <a:t>Output</a:t>
+                </a:r>
+                <a:endParaRPr sz="2267" b="1">
+                  <a:solidFill>
+                    <a:srgbClr val="6AA84F"/>
+                  </a:solidFill>
+                </a:endParaRPr>
+              </a:p>
+            </p:txBody>
+          </p:sp>
+        </p:grpSp>
+        <mc:AlternateContent xmlns:mc="http://schemas.openxmlformats.org/markup-compatibility/2006" xmlns:a14="http://schemas.microsoft.com/office/drawing/2010/main">
+          <mc:Choice Requires="a14">
             <p:sp>
               <p:nvSpPr>
-                <p:cNvPr id="57" name="Google Shape;171;p16">
+                <p:cNvPr id="60" name="TextBox 59">
                   <a:extLst>
                     <a:ext uri="{FF2B5EF4-FFF2-40B4-BE49-F238E27FC236}">
-                      <a16:creationId xmlns:a16="http://schemas.microsoft.com/office/drawing/2014/main" id="{83532AFC-5EE0-2F40-941C-45C9070E496A}"/>
+                      <a16:creationId xmlns:a16="http://schemas.microsoft.com/office/drawing/2014/main" id="{65EE0E96-75EE-534D-AD1E-128C20688B01}"/>
                     </a:ext>
                   </a:extLst>
                 </p:cNvPr>
@@ -5620,1062 +5752,111 @@
               </p:nvSpPr>
               <p:spPr>
                 <a:xfrm>
-                  <a:off x="1920350" y="781544"/>
-                  <a:ext cx="861600" cy="357000"/>
+                  <a:off x="6424668" y="2513143"/>
+                  <a:ext cx="600482" cy="223091"/>
                 </a:xfrm>
                 <a:prstGeom prst="rect">
                   <a:avLst/>
                 </a:prstGeom>
                 <a:noFill/>
-                <a:ln>
-                  <a:noFill/>
-                </a:ln>
               </p:spPr>
               <p:txBody>
-                <a:bodyPr spcFirstLastPara="1" wrap="square" lIns="121900" tIns="121900" rIns="121900" bIns="121900" anchor="t" anchorCtr="0">
-                  <a:noAutofit/>
+                <a:bodyPr wrap="square" rtlCol="0">
+                  <a:spAutoFit/>
                 </a:bodyPr>
                 <a:lstStyle/>
                 <a:p>
                   <a:pPr algn="ctr"/>
-                  <a:r>
-                    <a:rPr lang="en" sz="2267" b="1" dirty="0">
-                      <a:solidFill>
-                        <a:srgbClr val="ECCC24"/>
-                      </a:solidFill>
-                    </a:rPr>
-                    <a:t>Input</a:t>
-                  </a:r>
-                  <a:endParaRPr sz="2267" b="1" dirty="0">
+                  <a14:m>
+                    <m:oMathPara xmlns:m="http://schemas.openxmlformats.org/officeDocument/2006/math">
+                      <m:oMathParaPr>
+                        <m:jc m:val="center"/>
+                      </m:oMathParaPr>
+                      <m:oMath xmlns:m="http://schemas.openxmlformats.org/officeDocument/2006/math">
+                        <m:r>
+                          <a:rPr lang="en-US" sz="1333" b="1">
+                            <a:solidFill>
+                              <a:schemeClr val="bg2"/>
+                            </a:solidFill>
+                            <a:latin typeface="Cambria Math" panose="02040503050406030204" pitchFamily="18" charset="0"/>
+                          </a:rPr>
+                          <m:t>𝐜</m:t>
+                        </m:r>
+                        <m:r>
+                          <a:rPr lang="en-US" sz="1333" b="1">
+                            <a:solidFill>
+                              <a:schemeClr val="bg2"/>
+                            </a:solidFill>
+                            <a:latin typeface="Cambria Math" panose="02040503050406030204" pitchFamily="18" charset="0"/>
+                          </a:rPr>
+                          <m:t>=</m:t>
+                        </m:r>
+                        <m:r>
+                          <a:rPr lang="en-US" sz="1333" b="1">
+                            <a:solidFill>
+                              <a:schemeClr val="bg2"/>
+                            </a:solidFill>
+                            <a:latin typeface="Cambria Math" panose="02040503050406030204" pitchFamily="18" charset="0"/>
+                          </a:rPr>
+                          <m:t>𝟔</m:t>
+                        </m:r>
+                      </m:oMath>
+                    </m:oMathPara>
+                  </a14:m>
+                  <a:endParaRPr lang="en-DE" sz="1333" b="1" dirty="0">
                     <a:solidFill>
-                      <a:srgbClr val="ECCC24"/>
+                      <a:schemeClr val="bg2"/>
                     </a:solidFill>
                   </a:endParaRPr>
                 </a:p>
               </p:txBody>
             </p:sp>
+          </mc:Choice>
+          <mc:Fallback xmlns="">
             <p:sp>
               <p:nvSpPr>
-                <p:cNvPr id="58" name="Google Shape;172;p16">
+                <p:cNvPr id="60" name="TextBox 59">
                   <a:extLst>
                     <a:ext uri="{FF2B5EF4-FFF2-40B4-BE49-F238E27FC236}">
-                      <a16:creationId xmlns:a16="http://schemas.microsoft.com/office/drawing/2014/main" id="{91A916A5-593E-624B-8A6F-5E918CB397BE}"/>
+                      <a16:creationId xmlns:a16="http://schemas.microsoft.com/office/drawing/2014/main" id="{65EE0E96-75EE-534D-AD1E-128C20688B01}"/>
                     </a:ext>
                   </a:extLst>
                 </p:cNvPr>
-                <p:cNvSpPr txBox="1"/>
+                <p:cNvSpPr txBox="1">
+                  <a:spLocks noRot="1" noChangeAspect="1" noMove="1" noResize="1" noEditPoints="1" noAdjustHandles="1" noChangeArrowheads="1" noChangeShapeType="1" noTextEdit="1"/>
+                </p:cNvSpPr>
                 <p:nvPr/>
               </p:nvSpPr>
               <p:spPr>
                 <a:xfrm>
-                  <a:off x="4075113" y="756844"/>
-                  <a:ext cx="997200" cy="357000"/>
+                  <a:off x="6424668" y="2513143"/>
+                  <a:ext cx="600482" cy="223091"/>
                 </a:xfrm>
                 <a:prstGeom prst="rect">
                   <a:avLst/>
                 </a:prstGeom>
-                <a:noFill/>
-                <a:ln>
-                  <a:noFill/>
-                </a:ln>
+                <a:blipFill>
+                  <a:blip r:embed="rId3"/>
+                  <a:stretch>
+                    <a:fillRect/>
+                  </a:stretch>
+                </a:blipFill>
               </p:spPr>
               <p:txBody>
-                <a:bodyPr spcFirstLastPara="1" wrap="square" lIns="121900" tIns="121900" rIns="121900" bIns="121900" anchor="t" anchorCtr="0">
-                  <a:noAutofit/>
-                </a:bodyPr>
+                <a:bodyPr/>
                 <a:lstStyle/>
                 <a:p>
-                  <a:pPr algn="ctr"/>
                   <a:r>
-                    <a:rPr lang="en" sz="2267" b="1" dirty="0">
-                      <a:solidFill>
-                        <a:srgbClr val="45818E"/>
-                      </a:solidFill>
+                    <a:rPr lang="en-DE">
+                      <a:noFill/>
                     </a:rPr>
-                    <a:t>Hidden</a:t>
+                    <a:t> </a:t>
                   </a:r>
-                  <a:endParaRPr sz="2267" b="1" dirty="0">
-                    <a:solidFill>
-                      <a:srgbClr val="45818E"/>
-                    </a:solidFill>
-                  </a:endParaRPr>
                 </a:p>
               </p:txBody>
             </p:sp>
-            <p:sp>
-              <p:nvSpPr>
-                <p:cNvPr id="59" name="Google Shape;173;p16">
-                  <a:extLst>
-                    <a:ext uri="{FF2B5EF4-FFF2-40B4-BE49-F238E27FC236}">
-                      <a16:creationId xmlns:a16="http://schemas.microsoft.com/office/drawing/2014/main" id="{0FE4F239-DC31-E944-9231-94303EEC317C}"/>
-                    </a:ext>
-                  </a:extLst>
-                </p:cNvPr>
-                <p:cNvSpPr txBox="1"/>
-                <p:nvPr/>
-              </p:nvSpPr>
-              <p:spPr>
-                <a:xfrm>
-                  <a:off x="6226450" y="781544"/>
-                  <a:ext cx="997200" cy="357000"/>
-                </a:xfrm>
-                <a:prstGeom prst="rect">
-                  <a:avLst/>
-                </a:prstGeom>
-                <a:noFill/>
-                <a:ln>
-                  <a:noFill/>
-                </a:ln>
-              </p:spPr>
-              <p:txBody>
-                <a:bodyPr spcFirstLastPara="1" wrap="square" lIns="121900" tIns="121900" rIns="121900" bIns="121900" anchor="t" anchorCtr="0">
-                  <a:noAutofit/>
-                </a:bodyPr>
-                <a:lstStyle/>
-                <a:p>
-                  <a:pPr algn="ctr"/>
-                  <a:r>
-                    <a:rPr lang="en" sz="2267" b="1">
-                      <a:solidFill>
-                        <a:srgbClr val="6AA84F"/>
-                      </a:solidFill>
-                    </a:rPr>
-                    <a:t>Output</a:t>
-                  </a:r>
-                  <a:endParaRPr sz="2267" b="1">
-                    <a:solidFill>
-                      <a:srgbClr val="6AA84F"/>
-                    </a:solidFill>
-                  </a:endParaRPr>
-                </a:p>
-              </p:txBody>
-            </p:sp>
-          </p:grpSp>
-          <mc:AlternateContent xmlns:mc="http://schemas.openxmlformats.org/markup-compatibility/2006">
-            <mc:Choice xmlns:a14="http://schemas.microsoft.com/office/drawing/2010/main" Requires="a14">
-              <p:sp>
-                <p:nvSpPr>
-                  <p:cNvPr id="60" name="TextBox 59">
-                    <a:extLst>
-                      <a:ext uri="{FF2B5EF4-FFF2-40B4-BE49-F238E27FC236}">
-                        <a16:creationId xmlns:a16="http://schemas.microsoft.com/office/drawing/2014/main" id="{65EE0E96-75EE-534D-AD1E-128C20688B01}"/>
-                      </a:ext>
-                    </a:extLst>
-                  </p:cNvPr>
-                  <p:cNvSpPr txBox="1"/>
-                  <p:nvPr/>
-                </p:nvSpPr>
-                <p:spPr>
-                  <a:xfrm>
-                    <a:off x="6424668" y="2513143"/>
-                    <a:ext cx="600482" cy="223091"/>
-                  </a:xfrm>
-                  <a:prstGeom prst="rect">
-                    <a:avLst/>
-                  </a:prstGeom>
-                  <a:noFill/>
-                </p:spPr>
-                <p:txBody>
-                  <a:bodyPr wrap="square" rtlCol="0">
-                    <a:spAutoFit/>
-                  </a:bodyPr>
-                  <a:lstStyle/>
-                  <a:p>
-                    <a:pPr algn="ctr"/>
-                    <a14:m>
-                      <m:oMathPara xmlns:m="http://schemas.openxmlformats.org/officeDocument/2006/math">
-                        <m:oMathParaPr>
-                          <m:jc m:val="center"/>
-                        </m:oMathParaPr>
-                        <m:oMath xmlns:m="http://schemas.openxmlformats.org/officeDocument/2006/math">
-                          <m:r>
-                            <a:rPr lang="en-US" sz="1333" b="1">
-                              <a:solidFill>
-                                <a:schemeClr val="bg2"/>
-                              </a:solidFill>
-                              <a:latin typeface="Cambria Math" panose="02040503050406030204" pitchFamily="18" charset="0"/>
-                            </a:rPr>
-                            <m:t>𝐜</m:t>
-                          </m:r>
-                          <m:r>
-                            <a:rPr lang="en-US" sz="1333" b="1">
-                              <a:solidFill>
-                                <a:schemeClr val="bg2"/>
-                              </a:solidFill>
-                              <a:latin typeface="Cambria Math" panose="02040503050406030204" pitchFamily="18" charset="0"/>
-                            </a:rPr>
-                            <m:t>=</m:t>
-                          </m:r>
-                          <m:r>
-                            <a:rPr lang="en-US" sz="1333" b="1">
-                              <a:solidFill>
-                                <a:schemeClr val="bg2"/>
-                              </a:solidFill>
-                              <a:latin typeface="Cambria Math" panose="02040503050406030204" pitchFamily="18" charset="0"/>
-                            </a:rPr>
-                            <m:t>𝟔</m:t>
-                          </m:r>
-                        </m:oMath>
-                      </m:oMathPara>
-                    </a14:m>
-                    <a:endParaRPr lang="en-DE" sz="1333" b="1" dirty="0">
-                      <a:solidFill>
-                        <a:schemeClr val="bg2"/>
-                      </a:solidFill>
-                    </a:endParaRPr>
-                  </a:p>
-                </p:txBody>
-              </p:sp>
-            </mc:Choice>
-            <mc:Fallback>
-              <p:sp>
-                <p:nvSpPr>
-                  <p:cNvPr id="60" name="TextBox 59">
-                    <a:extLst>
-                      <a:ext uri="{FF2B5EF4-FFF2-40B4-BE49-F238E27FC236}">
-                        <a16:creationId xmlns:a16="http://schemas.microsoft.com/office/drawing/2014/main" id="{65EE0E96-75EE-534D-AD1E-128C20688B01}"/>
-                      </a:ext>
-                    </a:extLst>
-                  </p:cNvPr>
-                  <p:cNvSpPr txBox="1">
-                    <a:spLocks noRot="1" noChangeAspect="1" noMove="1" noResize="1" noEditPoints="1" noAdjustHandles="1" noChangeArrowheads="1" noChangeShapeType="1" noTextEdit="1"/>
-                  </p:cNvSpPr>
-                  <p:nvPr/>
-                </p:nvSpPr>
-                <p:spPr>
-                  <a:xfrm>
-                    <a:off x="6424668" y="2513143"/>
-                    <a:ext cx="600482" cy="223091"/>
-                  </a:xfrm>
-                  <a:prstGeom prst="rect">
-                    <a:avLst/>
-                  </a:prstGeom>
-                  <a:blipFill>
-                    <a:blip r:embed="rId3"/>
-                    <a:stretch>
-                      <a:fillRect/>
-                    </a:stretch>
-                  </a:blipFill>
-                </p:spPr>
-                <p:txBody>
-                  <a:bodyPr/>
-                  <a:lstStyle/>
-                  <a:p>
-                    <a:r>
-                      <a:rPr lang="en-DE">
-                        <a:noFill/>
-                      </a:rPr>
-                      <a:t> </a:t>
-                    </a:r>
-                  </a:p>
-                </p:txBody>
-              </p:sp>
-            </mc:Fallback>
-          </mc:AlternateContent>
-        </p:grpSp>
-        <p:grpSp>
-          <p:nvGrpSpPr>
-            <p:cNvPr id="61" name="Group 60">
-              <a:extLst>
-                <a:ext uri="{FF2B5EF4-FFF2-40B4-BE49-F238E27FC236}">
-                  <a16:creationId xmlns:a16="http://schemas.microsoft.com/office/drawing/2014/main" id="{FE119735-58A8-754A-8C2C-31AB7434D668}"/>
-                </a:ext>
-              </a:extLst>
-            </p:cNvPr>
-            <p:cNvGrpSpPr/>
-            <p:nvPr/>
-          </p:nvGrpSpPr>
-          <p:grpSpPr>
-            <a:xfrm>
-              <a:off x="2091032" y="4124207"/>
-              <a:ext cx="6371552" cy="685881"/>
-              <a:chOff x="2747164" y="3974256"/>
-              <a:chExt cx="6371552" cy="685881"/>
-            </a:xfrm>
-          </p:grpSpPr>
-          <mc:AlternateContent xmlns:mc="http://schemas.openxmlformats.org/markup-compatibility/2006">
-            <mc:Choice xmlns:a14="http://schemas.microsoft.com/office/drawing/2010/main" Requires="a14">
-              <p:sp>
-                <p:nvSpPr>
-                  <p:cNvPr id="62" name="TextBox 61">
-                    <a:extLst>
-                      <a:ext uri="{FF2B5EF4-FFF2-40B4-BE49-F238E27FC236}">
-                        <a16:creationId xmlns:a16="http://schemas.microsoft.com/office/drawing/2014/main" id="{46745081-0946-B140-96B6-2FB6F5E83AE3}"/>
-                      </a:ext>
-                    </a:extLst>
-                  </p:cNvPr>
-                  <p:cNvSpPr txBox="1"/>
-                  <p:nvPr/>
-                </p:nvSpPr>
-                <p:spPr>
-                  <a:xfrm>
-                    <a:off x="2747164" y="4383138"/>
-                    <a:ext cx="6371552" cy="276999"/>
-                  </a:xfrm>
-                  <a:prstGeom prst="rect">
-                    <a:avLst/>
-                  </a:prstGeom>
-                  <a:noFill/>
-                </p:spPr>
-                <p:txBody>
-                  <a:bodyPr wrap="none" lIns="0" tIns="0" rIns="0" bIns="0" rtlCol="0">
-                    <a:spAutoFit/>
-                  </a:bodyPr>
-                  <a:lstStyle/>
-                  <a:p>
-                    <a14:m>
-                      <m:oMath xmlns:m="http://schemas.openxmlformats.org/officeDocument/2006/math">
-                        <m:sSub>
-                          <m:sSubPr>
-                            <m:ctrlPr>
-                              <a:rPr lang="en-US" sz="2400" b="1" i="1">
-                                <a:latin typeface="Cambria Math" panose="02040503050406030204" pitchFamily="18" charset="0"/>
-                                <a:ea typeface="Cambria Math" panose="02040503050406030204" pitchFamily="18" charset="0"/>
-                              </a:rPr>
-                            </m:ctrlPr>
-                          </m:sSubPr>
-                          <m:e>
-                            <m:r>
-                              <a:rPr lang="en-US" sz="2400" b="1">
-                                <a:latin typeface="Cambria Math" panose="02040503050406030204" pitchFamily="18" charset="0"/>
-                                <a:ea typeface="Cambria Math" panose="02040503050406030204" pitchFamily="18" charset="0"/>
-                              </a:rPr>
-                              <m:t>𝐟</m:t>
-                            </m:r>
-                          </m:e>
-                          <m:sub>
-                            <m:r>
-                              <a:rPr lang="en-US" sz="2400" b="1">
-                                <a:latin typeface="Cambria Math" panose="02040503050406030204" pitchFamily="18" charset="0"/>
-                                <a:ea typeface="Cambria Math" panose="02040503050406030204" pitchFamily="18" charset="0"/>
-                              </a:rPr>
-                              <m:t>𝐢𝐧</m:t>
-                            </m:r>
-                          </m:sub>
-                        </m:sSub>
-                        <m:r>
-                          <a:rPr lang="en-US" sz="2400" b="1">
-                            <a:latin typeface="Cambria Math" panose="02040503050406030204" pitchFamily="18" charset="0"/>
-                            <a:ea typeface="Cambria Math" panose="02040503050406030204" pitchFamily="18" charset="0"/>
-                          </a:rPr>
-                          <m:t>=</m:t>
-                        </m:r>
-                        <m:r>
-                          <a:rPr lang="en-US" sz="2400" b="1">
-                            <a:latin typeface="Cambria Math" panose="02040503050406030204" pitchFamily="18" charset="0"/>
-                            <a:ea typeface="Cambria Math" panose="02040503050406030204" pitchFamily="18" charset="0"/>
-                          </a:rPr>
-                          <m:t>𝟑</m:t>
-                        </m:r>
-                        <m:r>
-                          <a:rPr lang="en-US" sz="2400" b="1">
-                            <a:latin typeface="Cambria Math" panose="02040503050406030204" pitchFamily="18" charset="0"/>
-                            <a:ea typeface="Cambria Math" panose="02040503050406030204" pitchFamily="18" charset="0"/>
-                          </a:rPr>
-                          <m:t>∗</m:t>
-                        </m:r>
-                        <m:r>
-                          <a:rPr lang="en-US" sz="2400" b="1">
-                            <a:latin typeface="Cambria Math" panose="02040503050406030204" pitchFamily="18" charset="0"/>
-                            <a:ea typeface="Cambria Math" panose="02040503050406030204" pitchFamily="18" charset="0"/>
-                          </a:rPr>
-                          <m:t>𝟎</m:t>
-                        </m:r>
-                        <m:r>
-                          <a:rPr lang="en-US" sz="2400" b="1">
-                            <a:latin typeface="Cambria Math" panose="02040503050406030204" pitchFamily="18" charset="0"/>
-                            <a:ea typeface="Cambria Math" panose="02040503050406030204" pitchFamily="18" charset="0"/>
-                          </a:rPr>
-                          <m:t>.</m:t>
-                        </m:r>
-                        <m:r>
-                          <a:rPr lang="en-US" sz="2400" b="1">
-                            <a:latin typeface="Cambria Math" panose="02040503050406030204" pitchFamily="18" charset="0"/>
-                            <a:ea typeface="Cambria Math" panose="02040503050406030204" pitchFamily="18" charset="0"/>
-                          </a:rPr>
-                          <m:t>𝟎𝟓</m:t>
-                        </m:r>
-                        <m:r>
-                          <a:rPr lang="en-US" sz="2400" b="1">
-                            <a:latin typeface="Cambria Math" panose="02040503050406030204" pitchFamily="18" charset="0"/>
-                            <a:ea typeface="Cambria Math" panose="02040503050406030204" pitchFamily="18" charset="0"/>
-                          </a:rPr>
-                          <m:t>+</m:t>
-                        </m:r>
-                        <m:d>
-                          <m:dPr>
-                            <m:ctrlPr>
-                              <a:rPr lang="en-US" sz="2400" b="1" i="1">
-                                <a:latin typeface="Cambria Math" panose="02040503050406030204" pitchFamily="18" charset="0"/>
-                                <a:ea typeface="Cambria Math" panose="02040503050406030204" pitchFamily="18" charset="0"/>
-                              </a:rPr>
-                            </m:ctrlPr>
-                          </m:dPr>
-                          <m:e>
-                            <m:r>
-                              <a:rPr lang="en-US" sz="2400" b="1">
-                                <a:latin typeface="Cambria Math" panose="02040503050406030204" pitchFamily="18" charset="0"/>
-                                <a:ea typeface="Cambria Math" panose="02040503050406030204" pitchFamily="18" charset="0"/>
-                              </a:rPr>
-                              <m:t>−</m:t>
-                            </m:r>
-                            <m:r>
-                              <a:rPr lang="en-US" sz="2400" b="1">
-                                <a:latin typeface="Cambria Math" panose="02040503050406030204" pitchFamily="18" charset="0"/>
-                                <a:ea typeface="Cambria Math" panose="02040503050406030204" pitchFamily="18" charset="0"/>
-                              </a:rPr>
-                              <m:t>𝟏𝟐</m:t>
-                            </m:r>
-                          </m:e>
-                        </m:d>
-                        <m:r>
-                          <a:rPr lang="en-US" sz="2400" b="1">
-                            <a:latin typeface="Cambria Math" panose="02040503050406030204" pitchFamily="18" charset="0"/>
-                            <a:ea typeface="Cambria Math" panose="02040503050406030204" pitchFamily="18" charset="0"/>
-                          </a:rPr>
-                          <m:t>∗</m:t>
-                        </m:r>
-                        <m:r>
-                          <a:rPr lang="en-US" sz="2400" b="1">
-                            <a:latin typeface="Cambria Math" panose="02040503050406030204" pitchFamily="18" charset="0"/>
-                            <a:ea typeface="Cambria Math" panose="02040503050406030204" pitchFamily="18" charset="0"/>
-                          </a:rPr>
-                          <m:t>𝟎</m:t>
-                        </m:r>
-                        <m:r>
-                          <a:rPr lang="en-US" sz="2400" b="1">
-                            <a:latin typeface="Cambria Math" panose="02040503050406030204" pitchFamily="18" charset="0"/>
-                            <a:ea typeface="Cambria Math" panose="02040503050406030204" pitchFamily="18" charset="0"/>
-                          </a:rPr>
-                          <m:t>.</m:t>
-                        </m:r>
-                        <m:r>
-                          <a:rPr lang="en-US" sz="2400" b="1">
-                            <a:latin typeface="Cambria Math" panose="02040503050406030204" pitchFamily="18" charset="0"/>
-                            <a:ea typeface="Cambria Math" panose="02040503050406030204" pitchFamily="18" charset="0"/>
-                          </a:rPr>
-                          <m:t>𝟖𝟖</m:t>
-                        </m:r>
-                        <m:r>
-                          <a:rPr lang="en-US" sz="2400" b="1">
-                            <a:latin typeface="Cambria Math" panose="02040503050406030204" pitchFamily="18" charset="0"/>
-                            <a:ea typeface="Cambria Math" panose="02040503050406030204" pitchFamily="18" charset="0"/>
-                          </a:rPr>
-                          <m:t>+</m:t>
-                        </m:r>
-                        <m:r>
-                          <a:rPr lang="en-US" sz="2400" b="1">
-                            <a:latin typeface="Cambria Math" panose="02040503050406030204" pitchFamily="18" charset="0"/>
-                            <a:ea typeface="Cambria Math" panose="02040503050406030204" pitchFamily="18" charset="0"/>
-                          </a:rPr>
-                          <m:t>𝟖</m:t>
-                        </m:r>
-                        <m:r>
-                          <a:rPr lang="en-US" sz="2400" b="1">
-                            <a:latin typeface="Cambria Math" panose="02040503050406030204" pitchFamily="18" charset="0"/>
-                            <a:ea typeface="Cambria Math" panose="02040503050406030204" pitchFamily="18" charset="0"/>
-                          </a:rPr>
-                          <m:t>∗</m:t>
-                        </m:r>
-                        <m:r>
-                          <a:rPr lang="en-US" sz="2400" b="1">
-                            <a:latin typeface="Cambria Math" panose="02040503050406030204" pitchFamily="18" charset="0"/>
-                            <a:ea typeface="Cambria Math" panose="02040503050406030204" pitchFamily="18" charset="0"/>
-                          </a:rPr>
-                          <m:t>𝟎</m:t>
-                        </m:r>
-                        <m:r>
-                          <a:rPr lang="en-US" sz="2400" b="1">
-                            <a:latin typeface="Cambria Math" panose="02040503050406030204" pitchFamily="18" charset="0"/>
-                            <a:ea typeface="Cambria Math" panose="02040503050406030204" pitchFamily="18" charset="0"/>
-                          </a:rPr>
-                          <m:t>.</m:t>
-                        </m:r>
-                        <m:r>
-                          <a:rPr lang="en-US" sz="2400" b="1">
-                            <a:latin typeface="Cambria Math" panose="02040503050406030204" pitchFamily="18" charset="0"/>
-                            <a:ea typeface="Cambria Math" panose="02040503050406030204" pitchFamily="18" charset="0"/>
-                          </a:rPr>
-                          <m:t>𝟓𝟎</m:t>
-                        </m:r>
-                        <m:r>
-                          <a:rPr lang="en-US" sz="2400" b="1">
-                            <a:latin typeface="Cambria Math" panose="02040503050406030204" pitchFamily="18" charset="0"/>
-                            <a:ea typeface="Cambria Math" panose="02040503050406030204" pitchFamily="18" charset="0"/>
-                          </a:rPr>
-                          <m:t>+</m:t>
-                        </m:r>
-                        <m:r>
-                          <a:rPr lang="en-US" sz="2400" b="1">
-                            <a:latin typeface="Cambria Math" panose="02040503050406030204" pitchFamily="18" charset="0"/>
-                            <a:ea typeface="Cambria Math" panose="02040503050406030204" pitchFamily="18" charset="0"/>
-                          </a:rPr>
-                          <m:t>𝟏</m:t>
-                        </m:r>
-                        <m:r>
-                          <a:rPr lang="en-US" sz="2400" b="1">
-                            <a:latin typeface="Cambria Math" panose="02040503050406030204" pitchFamily="18" charset="0"/>
-                            <a:ea typeface="Cambria Math" panose="02040503050406030204" pitchFamily="18" charset="0"/>
-                          </a:rPr>
-                          <m:t>∗</m:t>
-                        </m:r>
-                        <m:r>
-                          <a:rPr lang="en-US" sz="2400" b="1">
-                            <a:latin typeface="Cambria Math" panose="02040503050406030204" pitchFamily="18" charset="0"/>
-                            <a:ea typeface="Cambria Math" panose="02040503050406030204" pitchFamily="18" charset="0"/>
-                          </a:rPr>
-                          <m:t>𝟎</m:t>
-                        </m:r>
-                        <m:r>
-                          <a:rPr lang="en-US" sz="2400" b="1">
-                            <a:latin typeface="Cambria Math" panose="02040503050406030204" pitchFamily="18" charset="0"/>
-                            <a:ea typeface="Cambria Math" panose="02040503050406030204" pitchFamily="18" charset="0"/>
-                          </a:rPr>
-                          <m:t>.</m:t>
-                        </m:r>
-                        <m:r>
-                          <a:rPr lang="en-US" sz="2400" b="1">
-                            <a:latin typeface="Cambria Math" panose="02040503050406030204" pitchFamily="18" charset="0"/>
-                            <a:ea typeface="Cambria Math" panose="02040503050406030204" pitchFamily="18" charset="0"/>
-                          </a:rPr>
-                          <m:t>𝟗𝟗</m:t>
-                        </m:r>
-                        <m:r>
-                          <a:rPr lang="en-US" sz="2400" b="1">
-                            <a:latin typeface="Cambria Math" panose="02040503050406030204" pitchFamily="18" charset="0"/>
-                            <a:ea typeface="Cambria Math" panose="02040503050406030204" pitchFamily="18" charset="0"/>
-                          </a:rPr>
-                          <m:t>+</m:t>
-                        </m:r>
-                        <m:r>
-                          <a:rPr lang="en-US" sz="2400" b="1">
-                            <a:latin typeface="Cambria Math" panose="02040503050406030204" pitchFamily="18" charset="0"/>
-                            <a:ea typeface="Cambria Math" panose="02040503050406030204" pitchFamily="18" charset="0"/>
-                          </a:rPr>
-                          <m:t>𝟔</m:t>
-                        </m:r>
-                        <m:r>
-                          <a:rPr lang="en-US" sz="2400" b="1">
-                            <a:latin typeface="Cambria Math" panose="02040503050406030204" pitchFamily="18" charset="0"/>
-                            <a:ea typeface="Cambria Math" panose="02040503050406030204" pitchFamily="18" charset="0"/>
-                          </a:rPr>
-                          <m:t>=</m:t>
-                        </m:r>
-                      </m:oMath>
-                    </a14:m>
-                    <a:r>
-                      <a:rPr lang="en-DE" sz="2400" b="1" dirty="0">
-                        <a:latin typeface="Cambria Math" panose="02040503050406030204" pitchFamily="18" charset="0"/>
-                        <a:ea typeface="Cambria Math" panose="02040503050406030204" pitchFamily="18" charset="0"/>
-                      </a:rPr>
-                      <a:t>0.57</a:t>
-                    </a:r>
-                  </a:p>
-                </p:txBody>
-              </p:sp>
-            </mc:Choice>
-            <mc:Fallback>
-              <p:sp>
-                <p:nvSpPr>
-                  <p:cNvPr id="62" name="TextBox 61">
-                    <a:extLst>
-                      <a:ext uri="{FF2B5EF4-FFF2-40B4-BE49-F238E27FC236}">
-                        <a16:creationId xmlns:a16="http://schemas.microsoft.com/office/drawing/2014/main" id="{46745081-0946-B140-96B6-2FB6F5E83AE3}"/>
-                      </a:ext>
-                    </a:extLst>
-                  </p:cNvPr>
-                  <p:cNvSpPr txBox="1">
-                    <a:spLocks noRot="1" noChangeAspect="1" noMove="1" noResize="1" noEditPoints="1" noAdjustHandles="1" noChangeArrowheads="1" noChangeShapeType="1" noTextEdit="1"/>
-                  </p:cNvSpPr>
-                  <p:nvPr/>
-                </p:nvSpPr>
-                <p:spPr>
-                  <a:xfrm>
-                    <a:off x="2747164" y="4383138"/>
-                    <a:ext cx="6371552" cy="276999"/>
-                  </a:xfrm>
-                  <a:prstGeom prst="rect">
-                    <a:avLst/>
-                  </a:prstGeom>
-                  <a:blipFill>
-                    <a:blip r:embed="rId4"/>
-                    <a:stretch>
-                      <a:fillRect l="-1343" t="-23333" r="-1194" b="-46667"/>
-                    </a:stretch>
-                  </a:blipFill>
-                </p:spPr>
-                <p:txBody>
-                  <a:bodyPr/>
-                  <a:lstStyle/>
-                  <a:p>
-                    <a:r>
-                      <a:rPr lang="en-DE">
-                        <a:noFill/>
-                      </a:rPr>
-                      <a:t> </a:t>
-                    </a:r>
-                  </a:p>
-                </p:txBody>
-              </p:sp>
-            </mc:Fallback>
-          </mc:AlternateContent>
-          <mc:AlternateContent xmlns:mc="http://schemas.openxmlformats.org/markup-compatibility/2006">
-            <mc:Choice xmlns:a14="http://schemas.microsoft.com/office/drawing/2010/main" Requires="a14">
-              <p:sp>
-                <p:nvSpPr>
-                  <p:cNvPr id="63" name="TextBox 62">
-                    <a:extLst>
-                      <a:ext uri="{FF2B5EF4-FFF2-40B4-BE49-F238E27FC236}">
-                        <a16:creationId xmlns:a16="http://schemas.microsoft.com/office/drawing/2014/main" id="{E9333C68-FCCE-DF40-A60B-9AADD9E8ADC0}"/>
-                      </a:ext>
-                    </a:extLst>
-                  </p:cNvPr>
-                  <p:cNvSpPr txBox="1"/>
-                  <p:nvPr/>
-                </p:nvSpPr>
-                <p:spPr>
-                  <a:xfrm>
-                    <a:off x="2747164" y="3974256"/>
-                    <a:ext cx="4268620" cy="345383"/>
-                  </a:xfrm>
-                  <a:prstGeom prst="rect">
-                    <a:avLst/>
-                  </a:prstGeom>
-                  <a:noFill/>
-                </p:spPr>
-                <p:txBody>
-                  <a:bodyPr wrap="none" lIns="0" tIns="0" rIns="0" bIns="0" rtlCol="0">
-                    <a:spAutoFit/>
-                  </a:bodyPr>
-                  <a:lstStyle/>
-                  <a:p>
-                    <a14:m>
-                      <m:oMath xmlns:m="http://schemas.openxmlformats.org/officeDocument/2006/math">
-                        <m:sSub>
-                          <m:sSubPr>
-                            <m:ctrlPr>
-                              <a:rPr lang="en-US" sz="2400" b="1" i="1">
-                                <a:latin typeface="Cambria Math" panose="02040503050406030204" pitchFamily="18" charset="0"/>
-                                <a:ea typeface="Cambria Math" panose="02040503050406030204" pitchFamily="18" charset="0"/>
-                              </a:rPr>
-                            </m:ctrlPr>
-                          </m:sSubPr>
-                          <m:e>
-                            <m:r>
-                              <a:rPr lang="en-US" sz="2400" b="1">
-                                <a:latin typeface="Cambria Math" panose="02040503050406030204" pitchFamily="18" charset="0"/>
-                                <a:ea typeface="Cambria Math" panose="02040503050406030204" pitchFamily="18" charset="0"/>
-                              </a:rPr>
-                              <m:t>𝐟</m:t>
-                            </m:r>
-                          </m:e>
-                          <m:sub>
-                            <m:r>
-                              <a:rPr lang="en-US" sz="2400" b="1">
-                                <a:latin typeface="Cambria Math" panose="02040503050406030204" pitchFamily="18" charset="0"/>
-                                <a:ea typeface="Cambria Math" panose="02040503050406030204" pitchFamily="18" charset="0"/>
-                              </a:rPr>
-                              <m:t>𝐢𝐧</m:t>
-                            </m:r>
-                          </m:sub>
-                        </m:sSub>
-                        <m:r>
-                          <a:rPr lang="en-US" sz="2400" b="1">
-                            <a:latin typeface="Cambria Math" panose="02040503050406030204" pitchFamily="18" charset="0"/>
-                            <a:ea typeface="Cambria Math" panose="02040503050406030204" pitchFamily="18" charset="0"/>
-                          </a:rPr>
-                          <m:t> </m:t>
-                        </m:r>
-                        <m:r>
-                          <a:rPr lang="en-US" sz="2400" b="1">
-                            <a:latin typeface="Cambria Math" panose="02040503050406030204" pitchFamily="18" charset="0"/>
-                            <a:ea typeface="Cambria Math" panose="02040503050406030204" pitchFamily="18" charset="0"/>
-                          </a:rPr>
-                          <m:t>=</m:t>
-                        </m:r>
-                        <m:sSub>
-                          <m:sSubPr>
-                            <m:ctrlPr>
-                              <a:rPr lang="en-US" sz="2400" b="1" i="1">
-                                <a:latin typeface="Cambria Math" panose="02040503050406030204" pitchFamily="18" charset="0"/>
-                                <a:ea typeface="Cambria Math" panose="02040503050406030204" pitchFamily="18" charset="0"/>
-                              </a:rPr>
-                            </m:ctrlPr>
-                          </m:sSubPr>
-                          <m:e>
-                            <m:r>
-                              <a:rPr lang="en-US" sz="2400" b="1">
-                                <a:latin typeface="Cambria Math" panose="02040503050406030204" pitchFamily="18" charset="0"/>
-                                <a:ea typeface="Cambria Math" panose="02040503050406030204" pitchFamily="18" charset="0"/>
-                              </a:rPr>
-                              <m:t>𝐮</m:t>
-                            </m:r>
-                          </m:e>
-                          <m:sub>
-                            <m:r>
-                              <a:rPr lang="en-US" sz="2400" b="1">
-                                <a:latin typeface="Cambria Math" panose="02040503050406030204" pitchFamily="18" charset="0"/>
-                                <a:ea typeface="Cambria Math" panose="02040503050406030204" pitchFamily="18" charset="0"/>
-                              </a:rPr>
-                              <m:t>𝟏</m:t>
-                            </m:r>
-                          </m:sub>
-                        </m:sSub>
-                        <m:sSubSup>
-                          <m:sSubSupPr>
-                            <m:ctrlPr>
-                              <a:rPr lang="en-US" sz="2400" b="1" i="1">
-                                <a:latin typeface="Cambria Math" panose="02040503050406030204" pitchFamily="18" charset="0"/>
-                              </a:rPr>
-                            </m:ctrlPr>
-                          </m:sSubSupPr>
-                          <m:e>
-                            <m:r>
-                              <a:rPr lang="en-US" sz="2400" b="1">
-                                <a:latin typeface="Cambria Math" panose="02040503050406030204" pitchFamily="18" charset="0"/>
-                              </a:rPr>
-                              <m:t>𝐳</m:t>
-                            </m:r>
-                          </m:e>
-                          <m:sub>
-                            <m:r>
-                              <a:rPr lang="en-US" sz="2400" b="1">
-                                <a:latin typeface="Cambria Math" panose="02040503050406030204" pitchFamily="18" charset="0"/>
-                              </a:rPr>
-                              <m:t>𝐨𝐮𝐭</m:t>
-                            </m:r>
-                          </m:sub>
-                          <m:sup>
-                            <m:r>
-                              <a:rPr lang="en-US" sz="2400" b="1">
-                                <a:latin typeface="Cambria Math" panose="02040503050406030204" pitchFamily="18" charset="0"/>
-                              </a:rPr>
-                              <m:t>(</m:t>
-                            </m:r>
-                            <m:r>
-                              <a:rPr lang="en-US" sz="2400" b="1">
-                                <a:latin typeface="Cambria Math" panose="02040503050406030204" pitchFamily="18" charset="0"/>
-                              </a:rPr>
-                              <m:t>𝟏</m:t>
-                            </m:r>
-                            <m:r>
-                              <a:rPr lang="en-US" sz="2400" b="1">
-                                <a:latin typeface="Cambria Math" panose="02040503050406030204" pitchFamily="18" charset="0"/>
-                              </a:rPr>
-                              <m:t>)</m:t>
-                            </m:r>
-                          </m:sup>
-                        </m:sSubSup>
-                        <m:r>
-                          <a:rPr lang="en-US" sz="2400" b="1">
-                            <a:latin typeface="Cambria Math" panose="02040503050406030204" pitchFamily="18" charset="0"/>
-                            <a:ea typeface="Cambria Math" panose="02040503050406030204" pitchFamily="18" charset="0"/>
-                          </a:rPr>
-                          <m:t>+</m:t>
-                        </m:r>
-                        <m:sSub>
-                          <m:sSubPr>
-                            <m:ctrlPr>
-                              <a:rPr lang="en-US" sz="2400" b="1" i="1">
-                                <a:latin typeface="Cambria Math" panose="02040503050406030204" pitchFamily="18" charset="0"/>
-                                <a:ea typeface="Cambria Math" panose="02040503050406030204" pitchFamily="18" charset="0"/>
-                              </a:rPr>
-                            </m:ctrlPr>
-                          </m:sSubPr>
-                          <m:e>
-                            <m:r>
-                              <a:rPr lang="en-US" sz="2400" b="1">
-                                <a:latin typeface="Cambria Math" panose="02040503050406030204" pitchFamily="18" charset="0"/>
-                                <a:ea typeface="Cambria Math" panose="02040503050406030204" pitchFamily="18" charset="0"/>
-                              </a:rPr>
-                              <m:t>𝐮</m:t>
-                            </m:r>
-                          </m:e>
-                          <m:sub>
-                            <m:r>
-                              <a:rPr lang="en-US" sz="2400" b="1">
-                                <a:latin typeface="Cambria Math" panose="02040503050406030204" pitchFamily="18" charset="0"/>
-                                <a:ea typeface="Cambria Math" panose="02040503050406030204" pitchFamily="18" charset="0"/>
-                              </a:rPr>
-                              <m:t>𝟐</m:t>
-                            </m:r>
-                          </m:sub>
-                        </m:sSub>
-                        <m:sSubSup>
-                          <m:sSubSupPr>
-                            <m:ctrlPr>
-                              <a:rPr lang="en-US" sz="2400" b="1" i="1">
-                                <a:latin typeface="Cambria Math" panose="02040503050406030204" pitchFamily="18" charset="0"/>
-                              </a:rPr>
-                            </m:ctrlPr>
-                          </m:sSubSupPr>
-                          <m:e>
-                            <m:r>
-                              <a:rPr lang="en-US" sz="2400" b="1">
-                                <a:latin typeface="Cambria Math" panose="02040503050406030204" pitchFamily="18" charset="0"/>
-                              </a:rPr>
-                              <m:t>𝐳</m:t>
-                            </m:r>
-                          </m:e>
-                          <m:sub>
-                            <m:r>
-                              <a:rPr lang="en-US" sz="2400" b="1">
-                                <a:latin typeface="Cambria Math" panose="02040503050406030204" pitchFamily="18" charset="0"/>
-                              </a:rPr>
-                              <m:t>𝐨𝐮𝐭</m:t>
-                            </m:r>
-                          </m:sub>
-                          <m:sup>
-                            <m:r>
-                              <a:rPr lang="en-US" sz="2400" b="1">
-                                <a:latin typeface="Cambria Math" panose="02040503050406030204" pitchFamily="18" charset="0"/>
-                              </a:rPr>
-                              <m:t>(</m:t>
-                            </m:r>
-                            <m:r>
-                              <a:rPr lang="en-US" sz="2400" b="1">
-                                <a:latin typeface="Cambria Math" panose="02040503050406030204" pitchFamily="18" charset="0"/>
-                              </a:rPr>
-                              <m:t>𝟐</m:t>
-                            </m:r>
-                            <m:r>
-                              <a:rPr lang="en-US" sz="2400" b="1">
-                                <a:latin typeface="Cambria Math" panose="02040503050406030204" pitchFamily="18" charset="0"/>
-                              </a:rPr>
-                              <m:t>)</m:t>
-                            </m:r>
-                          </m:sup>
-                        </m:sSubSup>
-                      </m:oMath>
-                    </a14:m>
-                    <a:r>
-                      <a:rPr lang="en-DE" sz="2400" b="1" dirty="0">
-                        <a:latin typeface="Cambria Math" panose="02040503050406030204" pitchFamily="18" charset="0"/>
-                        <a:ea typeface="Cambria Math" panose="02040503050406030204" pitchFamily="18" charset="0"/>
-                      </a:rPr>
-                      <a:t>+</a:t>
-                    </a:r>
-                    <a:r>
-                      <a:rPr lang="en-US" sz="2400" b="1" dirty="0">
-                        <a:latin typeface="Cambria Math" panose="02040503050406030204" pitchFamily="18" charset="0"/>
-                        <a:ea typeface="Cambria Math" panose="02040503050406030204" pitchFamily="18" charset="0"/>
-                      </a:rPr>
-                      <a:t> </a:t>
-                    </a:r>
-                    <a14:m>
-                      <m:oMath xmlns:m="http://schemas.openxmlformats.org/officeDocument/2006/math">
-                        <m:sSub>
-                          <m:sSubPr>
-                            <m:ctrlPr>
-                              <a:rPr lang="en-US" sz="2400" b="1" i="1">
-                                <a:latin typeface="Cambria Math" panose="02040503050406030204" pitchFamily="18" charset="0"/>
-                                <a:ea typeface="Cambria Math" panose="02040503050406030204" pitchFamily="18" charset="0"/>
-                              </a:rPr>
-                            </m:ctrlPr>
-                          </m:sSubPr>
-                          <m:e>
-                            <m:r>
-                              <a:rPr lang="en-US" sz="2400" b="1">
-                                <a:latin typeface="Cambria Math" panose="02040503050406030204" pitchFamily="18" charset="0"/>
-                                <a:ea typeface="Cambria Math" panose="02040503050406030204" pitchFamily="18" charset="0"/>
-                              </a:rPr>
-                              <m:t>𝐮</m:t>
-                            </m:r>
-                          </m:e>
-                          <m:sub>
-                            <m:r>
-                              <a:rPr lang="en-US" sz="2400" b="1">
-                                <a:latin typeface="Cambria Math" panose="02040503050406030204" pitchFamily="18" charset="0"/>
-                                <a:ea typeface="Cambria Math" panose="02040503050406030204" pitchFamily="18" charset="0"/>
-                              </a:rPr>
-                              <m:t>𝟑</m:t>
-                            </m:r>
-                          </m:sub>
-                        </m:sSub>
-                        <m:sSubSup>
-                          <m:sSubSupPr>
-                            <m:ctrlPr>
-                              <a:rPr lang="en-US" sz="2400" b="1" i="1">
-                                <a:latin typeface="Cambria Math" panose="02040503050406030204" pitchFamily="18" charset="0"/>
-                              </a:rPr>
-                            </m:ctrlPr>
-                          </m:sSubSupPr>
-                          <m:e>
-                            <m:r>
-                              <a:rPr lang="en-US" sz="2400" b="1">
-                                <a:latin typeface="Cambria Math" panose="02040503050406030204" pitchFamily="18" charset="0"/>
-                              </a:rPr>
-                              <m:t>𝐳</m:t>
-                            </m:r>
-                          </m:e>
-                          <m:sub>
-                            <m:r>
-                              <a:rPr lang="en-US" sz="2400" b="1">
-                                <a:latin typeface="Cambria Math" panose="02040503050406030204" pitchFamily="18" charset="0"/>
-                              </a:rPr>
-                              <m:t>𝐨𝐮𝐭</m:t>
-                            </m:r>
-                          </m:sub>
-                          <m:sup>
-                            <m:r>
-                              <a:rPr lang="en-US" sz="2400" b="1">
-                                <a:latin typeface="Cambria Math" panose="02040503050406030204" pitchFamily="18" charset="0"/>
-                              </a:rPr>
-                              <m:t>(</m:t>
-                            </m:r>
-                            <m:r>
-                              <a:rPr lang="en-US" sz="2400" b="1">
-                                <a:latin typeface="Cambria Math" panose="02040503050406030204" pitchFamily="18" charset="0"/>
-                              </a:rPr>
-                              <m:t>𝟑</m:t>
-                            </m:r>
-                            <m:r>
-                              <a:rPr lang="en-US" sz="2400" b="1">
-                                <a:latin typeface="Cambria Math" panose="02040503050406030204" pitchFamily="18" charset="0"/>
-                              </a:rPr>
-                              <m:t>)</m:t>
-                            </m:r>
-                          </m:sup>
-                        </m:sSubSup>
-                        <m:r>
-                          <a:rPr lang="en-US" sz="2400" b="1">
-                            <a:latin typeface="Cambria Math" panose="02040503050406030204" pitchFamily="18" charset="0"/>
-                            <a:ea typeface="Cambria Math" panose="02040503050406030204" pitchFamily="18" charset="0"/>
-                          </a:rPr>
-                          <m:t>+</m:t>
-                        </m:r>
-                        <m:sSub>
-                          <m:sSubPr>
-                            <m:ctrlPr>
-                              <a:rPr lang="en-US" sz="2400" b="1" i="1">
-                                <a:latin typeface="Cambria Math" panose="02040503050406030204" pitchFamily="18" charset="0"/>
-                                <a:ea typeface="Cambria Math" panose="02040503050406030204" pitchFamily="18" charset="0"/>
-                              </a:rPr>
-                            </m:ctrlPr>
-                          </m:sSubPr>
-                          <m:e>
-                            <m:r>
-                              <a:rPr lang="en-US" sz="2400" b="1">
-                                <a:latin typeface="Cambria Math" panose="02040503050406030204" pitchFamily="18" charset="0"/>
-                                <a:ea typeface="Cambria Math" panose="02040503050406030204" pitchFamily="18" charset="0"/>
-                              </a:rPr>
-                              <m:t>𝐮</m:t>
-                            </m:r>
-                          </m:e>
-                          <m:sub>
-                            <m:r>
-                              <a:rPr lang="en-US" sz="2400" b="1">
-                                <a:latin typeface="Cambria Math" panose="02040503050406030204" pitchFamily="18" charset="0"/>
-                                <a:ea typeface="Cambria Math" panose="02040503050406030204" pitchFamily="18" charset="0"/>
-                              </a:rPr>
-                              <m:t>𝟒</m:t>
-                            </m:r>
-                          </m:sub>
-                        </m:sSub>
-                        <m:sSubSup>
-                          <m:sSubSupPr>
-                            <m:ctrlPr>
-                              <a:rPr lang="en-US" sz="2400" b="1" i="1">
-                                <a:latin typeface="Cambria Math" panose="02040503050406030204" pitchFamily="18" charset="0"/>
-                              </a:rPr>
-                            </m:ctrlPr>
-                          </m:sSubSupPr>
-                          <m:e>
-                            <m:r>
-                              <a:rPr lang="en-US" sz="2400" b="1">
-                                <a:latin typeface="Cambria Math" panose="02040503050406030204" pitchFamily="18" charset="0"/>
-                              </a:rPr>
-                              <m:t>𝐳</m:t>
-                            </m:r>
-                          </m:e>
-                          <m:sub>
-                            <m:r>
-                              <a:rPr lang="en-US" sz="2400" b="1">
-                                <a:latin typeface="Cambria Math" panose="02040503050406030204" pitchFamily="18" charset="0"/>
-                              </a:rPr>
-                              <m:t>𝐨𝐮𝐭</m:t>
-                            </m:r>
-                          </m:sub>
-                          <m:sup>
-                            <m:r>
-                              <a:rPr lang="en-US" sz="2400" b="1">
-                                <a:latin typeface="Cambria Math" panose="02040503050406030204" pitchFamily="18" charset="0"/>
-                              </a:rPr>
-                              <m:t>(</m:t>
-                            </m:r>
-                            <m:r>
-                              <a:rPr lang="en-US" sz="2400" b="1">
-                                <a:latin typeface="Cambria Math" panose="02040503050406030204" pitchFamily="18" charset="0"/>
-                              </a:rPr>
-                              <m:t>𝟒</m:t>
-                            </m:r>
-                            <m:r>
-                              <a:rPr lang="en-US" sz="2400" b="1">
-                                <a:latin typeface="Cambria Math" panose="02040503050406030204" pitchFamily="18" charset="0"/>
-                              </a:rPr>
-                              <m:t>)</m:t>
-                            </m:r>
-                          </m:sup>
-                        </m:sSubSup>
-                      </m:oMath>
-                    </a14:m>
-                    <a:r>
-                      <a:rPr lang="en-DE" sz="2400" b="1" dirty="0">
-                        <a:latin typeface="Cambria Math" panose="02040503050406030204" pitchFamily="18" charset="0"/>
-                        <a:ea typeface="Cambria Math" panose="02040503050406030204" pitchFamily="18" charset="0"/>
-                      </a:rPr>
-                      <a:t>+ c</a:t>
-                    </a:r>
-                  </a:p>
-                </p:txBody>
-              </p:sp>
-            </mc:Choice>
-            <mc:Fallback>
-              <p:sp>
-                <p:nvSpPr>
-                  <p:cNvPr id="63" name="TextBox 62">
-                    <a:extLst>
-                      <a:ext uri="{FF2B5EF4-FFF2-40B4-BE49-F238E27FC236}">
-                        <a16:creationId xmlns:a16="http://schemas.microsoft.com/office/drawing/2014/main" id="{E9333C68-FCCE-DF40-A60B-9AADD9E8ADC0}"/>
-                      </a:ext>
-                    </a:extLst>
-                  </p:cNvPr>
-                  <p:cNvSpPr txBox="1">
-                    <a:spLocks noRot="1" noChangeAspect="1" noMove="1" noResize="1" noEditPoints="1" noAdjustHandles="1" noChangeArrowheads="1" noChangeShapeType="1" noTextEdit="1"/>
-                  </p:cNvSpPr>
-                  <p:nvPr/>
-                </p:nvSpPr>
-                <p:spPr>
-                  <a:xfrm>
-                    <a:off x="2747164" y="3974256"/>
-                    <a:ext cx="4268620" cy="345383"/>
-                  </a:xfrm>
-                  <a:prstGeom prst="rect">
-                    <a:avLst/>
-                  </a:prstGeom>
-                  <a:blipFill>
-                    <a:blip r:embed="rId5"/>
-                    <a:stretch>
-                      <a:fillRect l="-2004" t="-2632" r="-2450" b="-34211"/>
-                    </a:stretch>
-                  </a:blipFill>
-                </p:spPr>
-                <p:txBody>
-                  <a:bodyPr/>
-                  <a:lstStyle/>
-                  <a:p>
-                    <a:r>
-                      <a:rPr lang="en-DE">
-                        <a:noFill/>
-                      </a:rPr>
-                      <a:t> </a:t>
-                    </a:r>
-                  </a:p>
-                </p:txBody>
-              </p:sp>
-            </mc:Fallback>
-          </mc:AlternateContent>
-        </p:grpSp>
+          </mc:Fallback>
+        </mc:AlternateContent>
       </p:grpSp>
     </p:spTree>
     <p:extLst>
